--- a/2015 Merit Security Summit.pptx
+++ b/2015 Merit Security Summit.pptx
@@ -5,28 +5,29 @@
     <p:sldMasterId id="2147483733" r:id="rId1"/>
   </p:sldMasterIdLst>
   <p:notesMasterIdLst>
-    <p:notesMasterId r:id="rId21"/>
+    <p:notesMasterId r:id="rId22"/>
   </p:notesMasterIdLst>
   <p:sldIdLst>
     <p:sldId id="256" r:id="rId2"/>
     <p:sldId id="257" r:id="rId3"/>
     <p:sldId id="258" r:id="rId4"/>
-    <p:sldId id="259" r:id="rId5"/>
-    <p:sldId id="271" r:id="rId6"/>
-    <p:sldId id="261" r:id="rId7"/>
-    <p:sldId id="262" r:id="rId8"/>
-    <p:sldId id="263" r:id="rId9"/>
-    <p:sldId id="264" r:id="rId10"/>
-    <p:sldId id="265" r:id="rId11"/>
-    <p:sldId id="266" r:id="rId12"/>
-    <p:sldId id="267" r:id="rId13"/>
-    <p:sldId id="275" r:id="rId14"/>
-    <p:sldId id="269" r:id="rId15"/>
-    <p:sldId id="277" r:id="rId16"/>
-    <p:sldId id="268" r:id="rId17"/>
-    <p:sldId id="279" r:id="rId18"/>
-    <p:sldId id="278" r:id="rId19"/>
-    <p:sldId id="272" r:id="rId20"/>
+    <p:sldId id="281" r:id="rId5"/>
+    <p:sldId id="259" r:id="rId6"/>
+    <p:sldId id="271" r:id="rId7"/>
+    <p:sldId id="261" r:id="rId8"/>
+    <p:sldId id="262" r:id="rId9"/>
+    <p:sldId id="263" r:id="rId10"/>
+    <p:sldId id="264" r:id="rId11"/>
+    <p:sldId id="265" r:id="rId12"/>
+    <p:sldId id="266" r:id="rId13"/>
+    <p:sldId id="267" r:id="rId14"/>
+    <p:sldId id="275" r:id="rId15"/>
+    <p:sldId id="269" r:id="rId16"/>
+    <p:sldId id="277" r:id="rId17"/>
+    <p:sldId id="268" r:id="rId18"/>
+    <p:sldId id="279" r:id="rId19"/>
+    <p:sldId id="278" r:id="rId20"/>
+    <p:sldId id="272" r:id="rId21"/>
   </p:sldIdLst>
   <p:sldSz cx="9144000" cy="6858000" type="screen4x3"/>
   <p:notesSz cx="6858000" cy="9144000"/>
@@ -133,6 +134,7 @@
             <p14:sldId id="256"/>
             <p14:sldId id="257"/>
             <p14:sldId id="258"/>
+            <p14:sldId id="281"/>
             <p14:sldId id="259"/>
             <p14:sldId id="271"/>
           </p14:sldIdLst>
@@ -604,7 +606,7 @@
           <a:p>
             <a:fld id="{2A7D3AD5-EF8C-594A-8811-CA27DCD54C88}" type="slidenum">
               <a:rPr lang="en-US" smtClean="0"/>
-              <a:t>4</a:t>
+              <a:t>5</a:t>
             </a:fld>
             <a:endParaRPr lang="en-US"/>
           </a:p>
@@ -728,7 +730,7 @@
           <a:p>
             <a:fld id="{2A7D3AD5-EF8C-594A-8811-CA27DCD54C88}" type="slidenum">
               <a:rPr lang="en-US" smtClean="0"/>
-              <a:t>8</a:t>
+              <a:t>9</a:t>
             </a:fld>
             <a:endParaRPr lang="en-US"/>
           </a:p>
@@ -6096,86 +6098,63 @@
         </p:nvSpPr>
         <p:spPr/>
         <p:txBody>
+          <a:bodyPr>
+            <a:normAutofit/>
+          </a:bodyPr>
+          <a:lstStyle/>
+          <a:p>
+            <a:pPr lvl="0"/>
+            <a:r>
+              <a:rPr lang="en-US" dirty="0" smtClean="0"/>
+              <a:t>2. Software Inventory – For</a:t>
+            </a:r>
+            <a:r>
+              <a:rPr lang="en-US" baseline="0" dirty="0" smtClean="0"/>
+              <a:t> each system</a:t>
+            </a:r>
+            <a:endParaRPr lang="en-US" dirty="0"/>
+          </a:p>
+        </p:txBody>
+      </p:sp>
+      <p:sp>
+        <p:nvSpPr>
+          <p:cNvPr id="3" name="Content Placeholder 2"/>
+          <p:cNvSpPr>
+            <a:spLocks noGrp="1"/>
+          </p:cNvSpPr>
+          <p:nvPr>
+            <p:ph idx="1"/>
+          </p:nvPr>
+        </p:nvSpPr>
+        <p:spPr/>
+        <p:txBody>
           <a:bodyPr/>
           <a:lstStyle/>
           <a:p>
             <a:r>
               <a:rPr lang="en-US" dirty="0" smtClean="0"/>
-              <a:t>Software </a:t>
-            </a:r>
+              <a:t>Underlying OS</a:t>
+            </a:r>
+          </a:p>
+          <a:p>
             <a:r>
               <a:rPr lang="en-US" dirty="0" smtClean="0"/>
-              <a:t>Inventory - How</a:t>
-            </a:r>
-            <a:endParaRPr lang="en-US" dirty="0"/>
-          </a:p>
-        </p:txBody>
-      </p:sp>
-      <p:sp>
-        <p:nvSpPr>
-          <p:cNvPr id="3" name="Content Placeholder 2"/>
-          <p:cNvSpPr>
-            <a:spLocks noGrp="1"/>
-          </p:cNvSpPr>
-          <p:nvPr>
-            <p:ph idx="1"/>
-          </p:nvPr>
-        </p:nvSpPr>
-        <p:spPr/>
-        <p:txBody>
-          <a:bodyPr/>
-          <a:lstStyle/>
+              <a:t>Applications installed</a:t>
+            </a:r>
+          </a:p>
           <a:p>
             <a:r>
               <a:rPr lang="en-US" dirty="0" smtClean="0"/>
-              <a:t>Baseline</a:t>
-            </a:r>
-          </a:p>
-          <a:p>
-            <a:r>
-              <a:rPr lang="en-US" dirty="0" smtClean="0"/>
-              <a:t>Monitoring</a:t>
-            </a:r>
-          </a:p>
-          <a:p>
-            <a:r>
-              <a:rPr lang="en-US" dirty="0" smtClean="0"/>
-              <a:t>Tools</a:t>
-            </a:r>
-          </a:p>
-          <a:p>
-            <a:pPr lvl="1"/>
-            <a:r>
-              <a:rPr lang="en-US" dirty="0" smtClean="0"/>
-              <a:t>Windows</a:t>
-            </a:r>
-            <a:r>
-              <a:rPr lang="en-US" baseline="0" dirty="0" smtClean="0"/>
-              <a:t> Management Instrumentation Command-Line (WMIC)</a:t>
-            </a:r>
-            <a:endParaRPr lang="en-US" dirty="0" smtClean="0"/>
-          </a:p>
-          <a:p>
-            <a:pPr lvl="1"/>
-            <a:r>
-              <a:rPr lang="en-US" dirty="0" err="1" smtClean="0"/>
-              <a:t>Spiceworks</a:t>
-            </a:r>
-            <a:endParaRPr lang="en-US" dirty="0" smtClean="0"/>
-          </a:p>
-          <a:p>
-            <a:pPr lvl="1"/>
-            <a:r>
-              <a:rPr lang="en-US" dirty="0" smtClean="0"/>
-              <a:t>OSSIM</a:t>
-            </a:r>
+              <a:t>Tied to hardware asset inventory</a:t>
+            </a:r>
+            <a:endParaRPr lang="en-US" baseline="0" dirty="0" smtClean="0"/>
           </a:p>
         </p:txBody>
       </p:sp>
     </p:spTree>
     <p:extLst>
       <p:ext uri="{BB962C8B-B14F-4D97-AF65-F5344CB8AC3E}">
-        <p14:creationId xmlns:p14="http://schemas.microsoft.com/office/powerpoint/2010/main" val="985387769"/>
+        <p14:creationId xmlns:p14="http://schemas.microsoft.com/office/powerpoint/2010/main" val="2310874900"/>
       </p:ext>
     </p:extLst>
   </p:cSld>
@@ -6219,7 +6198,125 @@
           <a:p>
             <a:r>
               <a:rPr lang="en-US" dirty="0" smtClean="0"/>
-              <a:t>WMIC Scripting</a:t>
+              <a:t>2. Software Inventory - How</a:t>
+            </a:r>
+            <a:endParaRPr lang="en-US" dirty="0"/>
+          </a:p>
+        </p:txBody>
+      </p:sp>
+      <p:sp>
+        <p:nvSpPr>
+          <p:cNvPr id="3" name="Content Placeholder 2"/>
+          <p:cNvSpPr>
+            <a:spLocks noGrp="1"/>
+          </p:cNvSpPr>
+          <p:nvPr>
+            <p:ph idx="1"/>
+          </p:nvPr>
+        </p:nvSpPr>
+        <p:spPr/>
+        <p:txBody>
+          <a:bodyPr/>
+          <a:lstStyle/>
+          <a:p>
+            <a:r>
+              <a:rPr lang="en-US" dirty="0" smtClean="0"/>
+              <a:t>Baseline</a:t>
+            </a:r>
+          </a:p>
+          <a:p>
+            <a:r>
+              <a:rPr lang="en-US" dirty="0" smtClean="0"/>
+              <a:t>Monitoring</a:t>
+            </a:r>
+          </a:p>
+          <a:p>
+            <a:r>
+              <a:rPr lang="en-US" dirty="0" smtClean="0"/>
+              <a:t>Tools</a:t>
+            </a:r>
+          </a:p>
+          <a:p>
+            <a:pPr lvl="1"/>
+            <a:r>
+              <a:rPr lang="en-US" dirty="0" smtClean="0"/>
+              <a:t>Windows</a:t>
+            </a:r>
+            <a:r>
+              <a:rPr lang="en-US" baseline="0" dirty="0" smtClean="0"/>
+              <a:t> Management Instrumentation Command-Line (WMIC)</a:t>
+            </a:r>
+            <a:endParaRPr lang="en-US" dirty="0" smtClean="0"/>
+          </a:p>
+          <a:p>
+            <a:pPr lvl="1"/>
+            <a:r>
+              <a:rPr lang="en-US" dirty="0" err="1" smtClean="0"/>
+              <a:t>Spiceworks</a:t>
+            </a:r>
+            <a:endParaRPr lang="en-US" dirty="0" smtClean="0"/>
+          </a:p>
+          <a:p>
+            <a:pPr lvl="1"/>
+            <a:r>
+              <a:rPr lang="en-US" dirty="0" smtClean="0"/>
+              <a:t>OSSIM</a:t>
+            </a:r>
+          </a:p>
+        </p:txBody>
+      </p:sp>
+    </p:spTree>
+    <p:extLst>
+      <p:ext uri="{BB962C8B-B14F-4D97-AF65-F5344CB8AC3E}">
+        <p14:creationId xmlns:p14="http://schemas.microsoft.com/office/powerpoint/2010/main" val="985387769"/>
+      </p:ext>
+    </p:extLst>
+  </p:cSld>
+  <p:clrMapOvr>
+    <a:masterClrMapping/>
+  </p:clrMapOvr>
+</p:sld>
+</file>
+
+<file path=ppt/slides/slide12.xml><?xml version="1.0" encoding="utf-8"?>
+<p:sld xmlns:a="http://schemas.openxmlformats.org/drawingml/2006/main" xmlns:r="http://schemas.openxmlformats.org/officeDocument/2006/relationships" xmlns:p="http://schemas.openxmlformats.org/presentationml/2006/main">
+  <p:cSld>
+    <p:spTree>
+      <p:nvGrpSpPr>
+        <p:cNvPr id="1" name=""/>
+        <p:cNvGrpSpPr/>
+        <p:nvPr/>
+      </p:nvGrpSpPr>
+      <p:grpSpPr>
+        <a:xfrm>
+          <a:off x="0" y="0"/>
+          <a:ext cx="0" cy="0"/>
+          <a:chOff x="0" y="0"/>
+          <a:chExt cx="0" cy="0"/>
+        </a:xfrm>
+      </p:grpSpPr>
+      <p:sp>
+        <p:nvSpPr>
+          <p:cNvPr id="2" name="Title 1"/>
+          <p:cNvSpPr>
+            <a:spLocks noGrp="1"/>
+          </p:cNvSpPr>
+          <p:nvPr>
+            <p:ph type="title"/>
+          </p:nvPr>
+        </p:nvSpPr>
+        <p:spPr/>
+        <p:txBody>
+          <a:bodyPr/>
+          <a:lstStyle/>
+          <a:p>
+            <a:r>
+              <a:rPr lang="en-US" dirty="0" smtClean="0"/>
+              <a:t>2. WMIC </a:t>
+            </a:r>
+            <a:r>
+              <a:rPr lang="en-US" dirty="0" smtClean="0"/>
+              <a:t>Scripting</a:t>
             </a:r>
             <a:endParaRPr lang="en-US" dirty="0"/>
           </a:p>
@@ -6429,156 +6526,6 @@
 </p:sld>
 </file>
 
-<file path=ppt/slides/slide12.xml><?xml version="1.0" encoding="utf-8"?>
-<p:sld xmlns:a="http://schemas.openxmlformats.org/drawingml/2006/main" xmlns:r="http://schemas.openxmlformats.org/officeDocument/2006/relationships" xmlns:p="http://schemas.openxmlformats.org/presentationml/2006/main">
-  <p:cSld>
-    <p:spTree>
-      <p:nvGrpSpPr>
-        <p:cNvPr id="1" name=""/>
-        <p:cNvGrpSpPr/>
-        <p:nvPr/>
-      </p:nvGrpSpPr>
-      <p:grpSpPr>
-        <a:xfrm>
-          <a:off x="0" y="0"/>
-          <a:ext cx="0" cy="0"/>
-          <a:chOff x="0" y="0"/>
-          <a:chExt cx="0" cy="0"/>
-        </a:xfrm>
-      </p:grpSpPr>
-      <p:sp>
-        <p:nvSpPr>
-          <p:cNvPr id="2" name="Title 1"/>
-          <p:cNvSpPr>
-            <a:spLocks noGrp="1"/>
-          </p:cNvSpPr>
-          <p:nvPr>
-            <p:ph type="title"/>
-          </p:nvPr>
-        </p:nvSpPr>
-        <p:spPr/>
-        <p:txBody>
-          <a:bodyPr>
-            <a:normAutofit/>
-          </a:bodyPr>
-          <a:lstStyle/>
-          <a:p>
-            <a:pPr marL="0" marR="0" indent="0" algn="l" defTabSz="914400" rtl="0" eaLnBrk="1" fontAlgn="auto" latinLnBrk="0" hangingPunct="1">
-              <a:lnSpc>
-                <a:spcPct val="100000"/>
-              </a:lnSpc>
-              <a:spcBef>
-                <a:spcPct val="0"/>
-              </a:spcBef>
-              <a:spcAft>
-                <a:spcPts val="0"/>
-              </a:spcAft>
-              <a:buClrTx/>
-              <a:buSzTx/>
-              <a:buFontTx/>
-              <a:buNone/>
-              <a:tabLst/>
-              <a:defRPr/>
-            </a:pPr>
-            <a:r>
-              <a:rPr lang="en-US" sz="4000" kern="1200" baseline="0" dirty="0" smtClean="0">
-                <a:solidFill>
-                  <a:schemeClr val="tx2"/>
-                </a:solidFill>
-                <a:effectLst/>
-                <a:latin typeface="+mj-lt"/>
-                <a:ea typeface="+mj-ea"/>
-                <a:cs typeface="+mj-cs"/>
-              </a:rPr>
-              <a:t>Secure HW &amp; SW </a:t>
-            </a:r>
-            <a:r>
-              <a:rPr lang="en-US" sz="4000" kern="1200" baseline="0" dirty="0" err="1" smtClean="0">
-                <a:solidFill>
-                  <a:schemeClr val="tx2"/>
-                </a:solidFill>
-                <a:effectLst/>
-                <a:latin typeface="+mj-lt"/>
-                <a:ea typeface="+mj-ea"/>
-                <a:cs typeface="+mj-cs"/>
-              </a:rPr>
-              <a:t>Config</a:t>
-            </a:r>
-            <a:r>
-              <a:rPr lang="en-US" sz="4000" kern="1200" baseline="0" dirty="0" smtClean="0">
-                <a:solidFill>
-                  <a:schemeClr val="tx2"/>
-                </a:solidFill>
-                <a:effectLst/>
-                <a:latin typeface="+mj-lt"/>
-                <a:ea typeface="+mj-ea"/>
-                <a:cs typeface="+mj-cs"/>
-              </a:rPr>
-              <a:t> - Need</a:t>
-            </a:r>
-            <a:endParaRPr lang="en-US" sz="4000" dirty="0" smtClean="0">
-              <a:effectLst/>
-            </a:endParaRPr>
-          </a:p>
-        </p:txBody>
-      </p:sp>
-      <p:sp>
-        <p:nvSpPr>
-          <p:cNvPr id="3" name="Content Placeholder 2"/>
-          <p:cNvSpPr>
-            <a:spLocks noGrp="1"/>
-          </p:cNvSpPr>
-          <p:nvPr>
-            <p:ph idx="1"/>
-          </p:nvPr>
-        </p:nvSpPr>
-        <p:spPr/>
-        <p:txBody>
-          <a:bodyPr/>
-          <a:lstStyle/>
-          <a:p>
-            <a:pPr lvl="0"/>
-            <a:r>
-              <a:rPr lang="en-US" dirty="0" smtClean="0"/>
-              <a:t>Standard image</a:t>
-            </a:r>
-          </a:p>
-          <a:p>
-            <a:pPr lvl="1"/>
-            <a:r>
-              <a:rPr lang="en-US" dirty="0" smtClean="0"/>
-              <a:t>OS and patch level</a:t>
-            </a:r>
-          </a:p>
-          <a:p>
-            <a:pPr lvl="1"/>
-            <a:r>
-              <a:rPr lang="en-US" dirty="0" smtClean="0"/>
-              <a:t>Software application inventory</a:t>
-            </a:r>
-          </a:p>
-          <a:p>
-            <a:pPr lvl="1"/>
-            <a:r>
-              <a:rPr lang="en-US" dirty="0" smtClean="0"/>
-              <a:t>Patch Management system</a:t>
-            </a:r>
-          </a:p>
-        </p:txBody>
-      </p:sp>
-    </p:spTree>
-    <p:extLst>
-      <p:ext uri="{BB962C8B-B14F-4D97-AF65-F5344CB8AC3E}">
-        <p14:creationId xmlns:p14="http://schemas.microsoft.com/office/powerpoint/2010/main" val="3140183004"/>
-      </p:ext>
-    </p:extLst>
-  </p:cSld>
-  <p:clrMapOvr>
-    <a:masterClrMapping/>
-  </p:clrMapOvr>
-</p:sld>
-</file>
-
 <file path=ppt/slides/slide13.xml><?xml version="1.0" encoding="utf-8"?>
 <p:sld xmlns:a="http://schemas.openxmlformats.org/drawingml/2006/main" xmlns:r="http://schemas.openxmlformats.org/officeDocument/2006/relationships" xmlns:p="http://schemas.openxmlformats.org/presentationml/2006/main">
   <p:cSld>
@@ -6613,16 +6560,74 @@
           </a:bodyPr>
           <a:lstStyle/>
           <a:p>
-            <a:pPr lvl="0"/>
-            <a:r>
-              <a:rPr lang="en-US" dirty="0" smtClean="0"/>
-              <a:t>Secure</a:t>
-            </a:r>
-            <a:r>
-              <a:rPr lang="en-US" baseline="0" dirty="0" smtClean="0"/>
-              <a:t> HW &amp; SW Configuration – How</a:t>
-            </a:r>
-            <a:endParaRPr lang="en-US" dirty="0"/>
+            <a:pPr marL="0" marR="0" indent="0" algn="l" defTabSz="914400" rtl="0" eaLnBrk="1" fontAlgn="auto" latinLnBrk="0" hangingPunct="1">
+              <a:lnSpc>
+                <a:spcPct val="100000"/>
+              </a:lnSpc>
+              <a:spcBef>
+                <a:spcPct val="0"/>
+              </a:spcBef>
+              <a:spcAft>
+                <a:spcPts val="0"/>
+              </a:spcAft>
+              <a:buClrTx/>
+              <a:buSzTx/>
+              <a:buFontTx/>
+              <a:buNone/>
+              <a:tabLst/>
+              <a:defRPr/>
+            </a:pPr>
+            <a:r>
+              <a:rPr lang="en-US" sz="4000" kern="1200" baseline="0" dirty="0" smtClean="0">
+                <a:solidFill>
+                  <a:schemeClr val="tx2"/>
+                </a:solidFill>
+                <a:effectLst/>
+                <a:latin typeface="+mj-lt"/>
+                <a:ea typeface="+mj-ea"/>
+                <a:cs typeface="+mj-cs"/>
+              </a:rPr>
+              <a:t>3. Secure </a:t>
+            </a:r>
+            <a:r>
+              <a:rPr lang="en-US" sz="4000" kern="1200" baseline="0" dirty="0" smtClean="0">
+                <a:solidFill>
+                  <a:schemeClr val="tx2"/>
+                </a:solidFill>
+                <a:effectLst/>
+                <a:latin typeface="+mj-lt"/>
+                <a:ea typeface="+mj-ea"/>
+                <a:cs typeface="+mj-cs"/>
+              </a:rPr>
+              <a:t>HW &amp; SW </a:t>
+            </a:r>
+            <a:r>
+              <a:rPr lang="en-US" sz="4000" kern="1200" baseline="0" dirty="0" err="1" smtClean="0">
+                <a:solidFill>
+                  <a:schemeClr val="tx2"/>
+                </a:solidFill>
+                <a:effectLst/>
+                <a:latin typeface="+mj-lt"/>
+                <a:ea typeface="+mj-ea"/>
+                <a:cs typeface="+mj-cs"/>
+              </a:rPr>
+              <a:t>Config</a:t>
+            </a:r>
+            <a:r>
+              <a:rPr lang="en-US" sz="4000" kern="1200" baseline="0" dirty="0" smtClean="0">
+                <a:solidFill>
+                  <a:schemeClr val="tx2"/>
+                </a:solidFill>
+                <a:effectLst/>
+                <a:latin typeface="+mj-lt"/>
+                <a:ea typeface="+mj-ea"/>
+                <a:cs typeface="+mj-cs"/>
+              </a:rPr>
+              <a:t> - Need</a:t>
+            </a:r>
+            <a:endParaRPr lang="en-US" sz="4000" dirty="0" smtClean="0">
+              <a:effectLst/>
+            </a:endParaRPr>
           </a:p>
         </p:txBody>
       </p:sp>
@@ -6644,69 +6649,36 @@
             <a:pPr lvl="0"/>
             <a:r>
               <a:rPr lang="en-US" dirty="0" smtClean="0"/>
-              <a:t>Define</a:t>
-            </a:r>
-            <a:r>
-              <a:rPr lang="en-US" baseline="0" dirty="0" smtClean="0"/>
-              <a:t> and create a standard image(s) for the organization</a:t>
+              <a:t>Standard image</a:t>
             </a:r>
           </a:p>
           <a:p>
             <a:pPr lvl="1"/>
             <a:r>
-              <a:rPr lang="en-US" baseline="0" dirty="0" smtClean="0"/>
-              <a:t>See the HW and SW inventory already performed</a:t>
+              <a:rPr lang="en-US" dirty="0" smtClean="0"/>
+              <a:t>OS and patch level</a:t>
             </a:r>
           </a:p>
           <a:p>
             <a:pPr lvl="1"/>
             <a:r>
-              <a:rPr lang="en-US" baseline="0" dirty="0" smtClean="0"/>
-              <a:t>Install that image on all newly issued hardware</a:t>
+              <a:rPr lang="en-US" dirty="0" smtClean="0"/>
+              <a:t>Software application inventory</a:t>
             </a:r>
           </a:p>
           <a:p>
             <a:pPr lvl="1"/>
             <a:r>
-              <a:rPr lang="en-US" baseline="0" dirty="0" smtClean="0"/>
-              <a:t>Monitor for changes and remediate</a:t>
-            </a:r>
-          </a:p>
-          <a:p>
-            <a:pPr lvl="1"/>
-            <a:r>
-              <a:rPr lang="en-US" baseline="0" dirty="0" smtClean="0"/>
-              <a:t>Tools</a:t>
-            </a:r>
-          </a:p>
-          <a:p>
-            <a:pPr lvl="2"/>
-            <a:r>
-              <a:rPr lang="en-US" baseline="0" dirty="0" smtClean="0"/>
-              <a:t>Puppet</a:t>
-            </a:r>
-          </a:p>
-          <a:p>
-            <a:pPr lvl="2"/>
-            <a:r>
-              <a:rPr lang="en-US" baseline="0" dirty="0" smtClean="0"/>
-              <a:t>WMIC</a:t>
-            </a:r>
-          </a:p>
-          <a:p>
-            <a:pPr lvl="2"/>
-            <a:r>
-              <a:rPr lang="en-US" baseline="0" dirty="0" smtClean="0"/>
-              <a:t>Microsoft Baseline Security Analyzer (MBSA)</a:t>
-            </a:r>
-            <a:endParaRPr lang="en-US" dirty="0" smtClean="0"/>
+              <a:rPr lang="en-US" dirty="0" smtClean="0"/>
+              <a:t>Patch Management system</a:t>
+            </a:r>
           </a:p>
         </p:txBody>
       </p:sp>
     </p:spTree>
     <p:extLst>
       <p:ext uri="{BB962C8B-B14F-4D97-AF65-F5344CB8AC3E}">
-        <p14:creationId xmlns:p14="http://schemas.microsoft.com/office/powerpoint/2010/main" val="1746216702"/>
+        <p14:creationId xmlns:p14="http://schemas.microsoft.com/office/powerpoint/2010/main" val="3140183004"/>
       </p:ext>
     </p:extLst>
   </p:cSld>
@@ -6750,9 +6722,146 @@
           </a:bodyPr>
           <a:lstStyle/>
           <a:p>
+            <a:pPr lvl="0"/>
             <a:r>
               <a:rPr lang="en-US" dirty="0" smtClean="0"/>
-              <a:t>MBSA</a:t>
+              <a:t>3. Secure</a:t>
+            </a:r>
+            <a:r>
+              <a:rPr lang="en-US" baseline="0" dirty="0" smtClean="0"/>
+              <a:t> HW &amp; SW Configuration – How</a:t>
+            </a:r>
+            <a:endParaRPr lang="en-US" dirty="0"/>
+          </a:p>
+        </p:txBody>
+      </p:sp>
+      <p:sp>
+        <p:nvSpPr>
+          <p:cNvPr id="3" name="Content Placeholder 2"/>
+          <p:cNvSpPr>
+            <a:spLocks noGrp="1"/>
+          </p:cNvSpPr>
+          <p:nvPr>
+            <p:ph idx="1"/>
+          </p:nvPr>
+        </p:nvSpPr>
+        <p:spPr/>
+        <p:txBody>
+          <a:bodyPr/>
+          <a:lstStyle/>
+          <a:p>
+            <a:pPr lvl="0"/>
+            <a:r>
+              <a:rPr lang="en-US" dirty="0" smtClean="0"/>
+              <a:t>Define</a:t>
+            </a:r>
+            <a:r>
+              <a:rPr lang="en-US" baseline="0" dirty="0" smtClean="0"/>
+              <a:t> and create a standard image(s) for the organization</a:t>
+            </a:r>
+          </a:p>
+          <a:p>
+            <a:pPr lvl="1"/>
+            <a:r>
+              <a:rPr lang="en-US" baseline="0" dirty="0" smtClean="0"/>
+              <a:t>See the HW and SW inventory already performed</a:t>
+            </a:r>
+          </a:p>
+          <a:p>
+            <a:pPr lvl="1"/>
+            <a:r>
+              <a:rPr lang="en-US" baseline="0" dirty="0" smtClean="0"/>
+              <a:t>Install that image on all newly issued hardware</a:t>
+            </a:r>
+          </a:p>
+          <a:p>
+            <a:pPr lvl="1"/>
+            <a:r>
+              <a:rPr lang="en-US" baseline="0" dirty="0" smtClean="0"/>
+              <a:t>Monitor for changes and remediate</a:t>
+            </a:r>
+          </a:p>
+          <a:p>
+            <a:pPr lvl="1"/>
+            <a:r>
+              <a:rPr lang="en-US" baseline="0" dirty="0" smtClean="0"/>
+              <a:t>Tools</a:t>
+            </a:r>
+          </a:p>
+          <a:p>
+            <a:pPr lvl="2"/>
+            <a:r>
+              <a:rPr lang="en-US" baseline="0" dirty="0" smtClean="0"/>
+              <a:t>Puppet</a:t>
+            </a:r>
+          </a:p>
+          <a:p>
+            <a:pPr lvl="2"/>
+            <a:r>
+              <a:rPr lang="en-US" baseline="0" dirty="0" smtClean="0"/>
+              <a:t>WMIC</a:t>
+            </a:r>
+          </a:p>
+          <a:p>
+            <a:pPr lvl="2"/>
+            <a:r>
+              <a:rPr lang="en-US" baseline="0" dirty="0" smtClean="0"/>
+              <a:t>Microsoft Baseline Security Analyzer (MBSA)</a:t>
+            </a:r>
+            <a:endParaRPr lang="en-US" dirty="0" smtClean="0"/>
+          </a:p>
+        </p:txBody>
+      </p:sp>
+    </p:spTree>
+    <p:extLst>
+      <p:ext uri="{BB962C8B-B14F-4D97-AF65-F5344CB8AC3E}">
+        <p14:creationId xmlns:p14="http://schemas.microsoft.com/office/powerpoint/2010/main" val="1746216702"/>
+      </p:ext>
+    </p:extLst>
+  </p:cSld>
+  <p:clrMapOvr>
+    <a:masterClrMapping/>
+  </p:clrMapOvr>
+</p:sld>
+</file>
+
+<file path=ppt/slides/slide15.xml><?xml version="1.0" encoding="utf-8"?>
+<p:sld xmlns:a="http://schemas.openxmlformats.org/drawingml/2006/main" xmlns:r="http://schemas.openxmlformats.org/officeDocument/2006/relationships" xmlns:p="http://schemas.openxmlformats.org/presentationml/2006/main">
+  <p:cSld>
+    <p:spTree>
+      <p:nvGrpSpPr>
+        <p:cNvPr id="1" name=""/>
+        <p:cNvGrpSpPr/>
+        <p:nvPr/>
+      </p:nvGrpSpPr>
+      <p:grpSpPr>
+        <a:xfrm>
+          <a:off x="0" y="0"/>
+          <a:ext cx="0" cy="0"/>
+          <a:chOff x="0" y="0"/>
+          <a:chExt cx="0" cy="0"/>
+        </a:xfrm>
+      </p:grpSpPr>
+      <p:sp>
+        <p:nvSpPr>
+          <p:cNvPr id="2" name="Title 1"/>
+          <p:cNvSpPr>
+            <a:spLocks noGrp="1"/>
+          </p:cNvSpPr>
+          <p:nvPr>
+            <p:ph type="title"/>
+          </p:nvPr>
+        </p:nvSpPr>
+        <p:spPr/>
+        <p:txBody>
+          <a:bodyPr>
+            <a:normAutofit/>
+          </a:bodyPr>
+          <a:lstStyle/>
+          <a:p>
+            <a:r>
+              <a:rPr lang="en-US" dirty="0" smtClean="0"/>
+              <a:t>3. MBSA</a:t>
             </a:r>
             <a:r>
               <a:rPr lang="en-US" baseline="0" dirty="0" smtClean="0"/>
@@ -7114,143 +7223,6 @@
 </p:sld>
 </file>
 
-<file path=ppt/slides/slide15.xml><?xml version="1.0" encoding="utf-8"?>
-<p:sld xmlns:a="http://schemas.openxmlformats.org/drawingml/2006/main" xmlns:r="http://schemas.openxmlformats.org/officeDocument/2006/relationships" xmlns:p="http://schemas.openxmlformats.org/presentationml/2006/main">
-  <p:cSld>
-    <p:spTree>
-      <p:nvGrpSpPr>
-        <p:cNvPr id="1" name=""/>
-        <p:cNvGrpSpPr/>
-        <p:nvPr/>
-      </p:nvGrpSpPr>
-      <p:grpSpPr>
-        <a:xfrm>
-          <a:off x="0" y="0"/>
-          <a:ext cx="0" cy="0"/>
-          <a:chOff x="0" y="0"/>
-          <a:chExt cx="0" cy="0"/>
-        </a:xfrm>
-      </p:grpSpPr>
-      <p:sp>
-        <p:nvSpPr>
-          <p:cNvPr id="2" name="Title 1"/>
-          <p:cNvSpPr>
-            <a:spLocks noGrp="1"/>
-          </p:cNvSpPr>
-          <p:nvPr>
-            <p:ph type="title"/>
-          </p:nvPr>
-        </p:nvSpPr>
-        <p:spPr/>
-        <p:txBody>
-          <a:bodyPr>
-            <a:normAutofit fontScale="90000"/>
-          </a:bodyPr>
-          <a:lstStyle/>
-          <a:p>
-            <a:pPr marL="0" marR="0" indent="0" algn="l" defTabSz="914400" rtl="0" eaLnBrk="1" fontAlgn="auto" latinLnBrk="0" hangingPunct="1">
-              <a:lnSpc>
-                <a:spcPct val="100000"/>
-              </a:lnSpc>
-              <a:spcBef>
-                <a:spcPct val="0"/>
-              </a:spcBef>
-              <a:spcAft>
-                <a:spcPts val="0"/>
-              </a:spcAft>
-              <a:buClrTx/>
-              <a:buSzTx/>
-              <a:buFontTx/>
-              <a:buNone/>
-              <a:tabLst/>
-              <a:defRPr/>
-            </a:pPr>
-            <a:r>
-              <a:rPr lang="en-US" sz="4000" kern="1200" baseline="0" dirty="0" smtClean="0">
-                <a:solidFill>
-                  <a:schemeClr val="tx2"/>
-                </a:solidFill>
-                <a:effectLst/>
-                <a:latin typeface="+mj-lt"/>
-                <a:ea typeface="+mj-ea"/>
-                <a:cs typeface="+mj-cs"/>
-              </a:rPr>
-              <a:t>Continuous Vulnerability Management and </a:t>
-            </a:r>
-            <a:r>
-              <a:rPr lang="en-US" sz="4000" kern="1200" baseline="0" dirty="0" smtClean="0">
-                <a:solidFill>
-                  <a:schemeClr val="tx2"/>
-                </a:solidFill>
-                <a:effectLst/>
-                <a:latin typeface="+mj-lt"/>
-                <a:ea typeface="+mj-ea"/>
-                <a:cs typeface="+mj-cs"/>
-              </a:rPr>
-              <a:t>Remediation – Needs</a:t>
-            </a:r>
-            <a:endParaRPr lang="en-US" dirty="0"/>
-          </a:p>
-        </p:txBody>
-      </p:sp>
-      <p:sp>
-        <p:nvSpPr>
-          <p:cNvPr id="3" name="Content Placeholder 2"/>
-          <p:cNvSpPr>
-            <a:spLocks noGrp="1"/>
-          </p:cNvSpPr>
-          <p:nvPr>
-            <p:ph idx="1"/>
-          </p:nvPr>
-        </p:nvSpPr>
-        <p:spPr/>
-        <p:txBody>
-          <a:bodyPr/>
-          <a:lstStyle/>
-          <a:p>
-            <a:r>
-              <a:rPr lang="en-US" dirty="0" smtClean="0"/>
-              <a:t>Inventory</a:t>
-            </a:r>
-            <a:r>
-              <a:rPr lang="en-US" baseline="0" dirty="0" smtClean="0"/>
-              <a:t> of relevant OS and applications</a:t>
-            </a:r>
-          </a:p>
-          <a:p>
-            <a:r>
-              <a:rPr lang="en-US" baseline="0" dirty="0" smtClean="0"/>
-              <a:t>Regular updates on vulnerabilities and patches</a:t>
-            </a:r>
-          </a:p>
-          <a:p>
-            <a:r>
-              <a:rPr lang="en-US" baseline="0" dirty="0" smtClean="0"/>
-              <a:t>Reliable (automated?) method of applying patches</a:t>
-            </a:r>
-          </a:p>
-          <a:p>
-            <a:r>
-              <a:rPr lang="en-US" baseline="0" dirty="0" smtClean="0"/>
-              <a:t>Monitoring capability</a:t>
-            </a:r>
-            <a:endParaRPr lang="en-US" dirty="0"/>
-          </a:p>
-        </p:txBody>
-      </p:sp>
-    </p:spTree>
-    <p:extLst>
-      <p:ext uri="{BB962C8B-B14F-4D97-AF65-F5344CB8AC3E}">
-        <p14:creationId xmlns:p14="http://schemas.microsoft.com/office/powerpoint/2010/main" val="1471228235"/>
-      </p:ext>
-    </p:extLst>
-  </p:cSld>
-  <p:clrMapOvr>
-    <a:masterClrMapping/>
-  </p:clrMapOvr>
-</p:sld>
-</file>
-
 <file path=ppt/slides/slide16.xml><?xml version="1.0" encoding="utf-8"?>
 <p:sld xmlns:a="http://schemas.openxmlformats.org/drawingml/2006/main" xmlns:r="http://schemas.openxmlformats.org/officeDocument/2006/relationships" xmlns:p="http://schemas.openxmlformats.org/presentationml/2006/main">
   <p:cSld>
@@ -7312,7 +7284,31 @@
                 <a:ea typeface="+mj-ea"/>
                 <a:cs typeface="+mj-cs"/>
               </a:rPr>
-              <a:t>Continuous Vulnerability Management and Remediation</a:t>
+              <a:t>4. Continuous </a:t>
+            </a:r>
+            <a:r>
+              <a:rPr lang="en-US" sz="4000" kern="1200" baseline="0" dirty="0" smtClean="0">
+                <a:solidFill>
+                  <a:schemeClr val="tx2"/>
+                </a:solidFill>
+                <a:effectLst/>
+                <a:latin typeface="+mj-lt"/>
+                <a:ea typeface="+mj-ea"/>
+                <a:cs typeface="+mj-cs"/>
+              </a:rPr>
+              <a:t>Vulnerability Management and </a:t>
+            </a:r>
+            <a:r>
+              <a:rPr lang="en-US" sz="4000" kern="1200" baseline="0" dirty="0" smtClean="0">
+                <a:solidFill>
+                  <a:schemeClr val="tx2"/>
+                </a:solidFill>
+                <a:effectLst/>
+                <a:latin typeface="+mj-lt"/>
+                <a:ea typeface="+mj-ea"/>
+                <a:cs typeface="+mj-cs"/>
+              </a:rPr>
+              <a:t>Remediation – Needs</a:t>
             </a:r>
             <a:endParaRPr lang="en-US" dirty="0"/>
           </a:p>
@@ -7335,79 +7331,38 @@
           <a:p>
             <a:r>
               <a:rPr lang="en-US" dirty="0" smtClean="0"/>
-              <a:t>Regularly scan for known vulnerabilities</a:t>
+              <a:t>Inventory</a:t>
             </a:r>
             <a:r>
               <a:rPr lang="en-US" baseline="0" dirty="0" smtClean="0"/>
-              <a:t> (CVE)</a:t>
-            </a:r>
-          </a:p>
-          <a:p>
-            <a:pPr lvl="1"/>
-            <a:r>
-              <a:rPr lang="en-US" dirty="0" smtClean="0"/>
-              <a:t>Common Vulnerability Scoring</a:t>
-            </a:r>
+              <a:t> of relevant OS and applications</a:t>
+            </a:r>
+          </a:p>
+          <a:p>
             <a:r>
               <a:rPr lang="en-US" baseline="0" dirty="0" smtClean="0"/>
-              <a:t> System (CVSS)</a:t>
-            </a:r>
-          </a:p>
-          <a:p>
-            <a:r>
-              <a:rPr lang="en-US" dirty="0" smtClean="0"/>
-              <a:t>Use automated</a:t>
-            </a:r>
+              <a:t>Regular updates on vulnerabilities and patches</a:t>
+            </a:r>
+          </a:p>
+          <a:p>
             <a:r>
               <a:rPr lang="en-US" baseline="0" dirty="0" smtClean="0"/>
-              <a:t> patch management tools</a:t>
-            </a:r>
-          </a:p>
-          <a:p>
-            <a:pPr lvl="1"/>
-            <a:r>
-              <a:rPr lang="en-US" dirty="0" smtClean="0"/>
-              <a:t>OS and applications</a:t>
-            </a:r>
-          </a:p>
-          <a:p>
-            <a:pPr lvl="0"/>
-            <a:r>
-              <a:rPr lang="en-US" dirty="0" smtClean="0"/>
-              <a:t>Monitor logs to make sure patches are installed successfully</a:t>
-            </a:r>
-          </a:p>
-          <a:p>
-            <a:pPr lvl="0"/>
-            <a:r>
-              <a:rPr lang="en-US" dirty="0" smtClean="0"/>
-              <a:t>Tools</a:t>
-            </a:r>
-          </a:p>
-          <a:p>
-            <a:pPr lvl="1"/>
-            <a:r>
-              <a:rPr lang="en-US" dirty="0" smtClean="0"/>
-              <a:t>Nessus (free for noncommercial/home users)</a:t>
-            </a:r>
-          </a:p>
-          <a:p>
-            <a:pPr lvl="1"/>
-            <a:r>
-              <a:rPr lang="en-US" dirty="0" err="1" smtClean="0"/>
-              <a:t>OpenVAS</a:t>
-            </a:r>
-            <a:r>
-              <a:rPr lang="en-US" dirty="0" smtClean="0"/>
-              <a:t> (fork of Nessus)</a:t>
-            </a:r>
+              <a:t>Reliable (automated?) method of applying patches</a:t>
+            </a:r>
+          </a:p>
+          <a:p>
+            <a:r>
+              <a:rPr lang="en-US" baseline="0" dirty="0" smtClean="0"/>
+              <a:t>Monitoring capability</a:t>
+            </a:r>
+            <a:endParaRPr lang="en-US" dirty="0"/>
           </a:p>
         </p:txBody>
       </p:sp>
     </p:spTree>
     <p:extLst>
       <p:ext uri="{BB962C8B-B14F-4D97-AF65-F5344CB8AC3E}">
-        <p14:creationId xmlns:p14="http://schemas.microsoft.com/office/powerpoint/2010/main" val="3074359427"/>
+        <p14:creationId xmlns:p14="http://schemas.microsoft.com/office/powerpoint/2010/main" val="1471228235"/>
       </p:ext>
     </p:extLst>
   </p:cSld>
@@ -7436,12 +7391,74 @@
       </p:grpSpPr>
       <p:sp>
         <p:nvSpPr>
-          <p:cNvPr id="5" name="Title 4"/>
+          <p:cNvPr id="2" name="Title 1"/>
           <p:cNvSpPr>
             <a:spLocks noGrp="1"/>
           </p:cNvSpPr>
           <p:nvPr>
             <p:ph type="title"/>
+          </p:nvPr>
+        </p:nvSpPr>
+        <p:spPr/>
+        <p:txBody>
+          <a:bodyPr>
+            <a:normAutofit fontScale="90000"/>
+          </a:bodyPr>
+          <a:lstStyle/>
+          <a:p>
+            <a:pPr marL="0" marR="0" indent="0" algn="l" defTabSz="914400" rtl="0" eaLnBrk="1" fontAlgn="auto" latinLnBrk="0" hangingPunct="1">
+              <a:lnSpc>
+                <a:spcPct val="100000"/>
+              </a:lnSpc>
+              <a:spcBef>
+                <a:spcPct val="0"/>
+              </a:spcBef>
+              <a:spcAft>
+                <a:spcPts val="0"/>
+              </a:spcAft>
+              <a:buClrTx/>
+              <a:buSzTx/>
+              <a:buFontTx/>
+              <a:buNone/>
+              <a:tabLst/>
+              <a:defRPr/>
+            </a:pPr>
+            <a:r>
+              <a:rPr lang="en-US" sz="4000" kern="1200" baseline="0" dirty="0" smtClean="0">
+                <a:solidFill>
+                  <a:schemeClr val="tx2"/>
+                </a:solidFill>
+                <a:effectLst/>
+                <a:latin typeface="+mj-lt"/>
+                <a:ea typeface="+mj-ea"/>
+                <a:cs typeface="+mj-cs"/>
+              </a:rPr>
+              <a:t>4. Continuous </a:t>
+            </a:r>
+            <a:r>
+              <a:rPr lang="en-US" sz="4000" kern="1200" baseline="0" dirty="0" smtClean="0">
+                <a:solidFill>
+                  <a:schemeClr val="tx2"/>
+                </a:solidFill>
+                <a:effectLst/>
+                <a:latin typeface="+mj-lt"/>
+                <a:ea typeface="+mj-ea"/>
+                <a:cs typeface="+mj-cs"/>
+              </a:rPr>
+              <a:t>Vulnerability Management and Remediation</a:t>
+            </a:r>
+            <a:endParaRPr lang="en-US" dirty="0"/>
+          </a:p>
+        </p:txBody>
+      </p:sp>
+      <p:sp>
+        <p:nvSpPr>
+          <p:cNvPr id="3" name="Content Placeholder 2"/>
+          <p:cNvSpPr>
+            <a:spLocks noGrp="1"/>
+          </p:cNvSpPr>
+          <p:nvPr>
+            <p:ph idx="1"/>
           </p:nvPr>
         </p:nvSpPr>
         <p:spPr/>
@@ -7451,7 +7468,123 @@
           <a:p>
             <a:r>
               <a:rPr lang="en-US" dirty="0" smtClean="0"/>
-              <a:t>Vulnerability Management - </a:t>
+              <a:t>Regularly scan for known vulnerabilities</a:t>
+            </a:r>
+            <a:r>
+              <a:rPr lang="en-US" baseline="0" dirty="0" smtClean="0"/>
+              <a:t> (CVE)</a:t>
+            </a:r>
+          </a:p>
+          <a:p>
+            <a:pPr lvl="1"/>
+            <a:r>
+              <a:rPr lang="en-US" dirty="0" smtClean="0"/>
+              <a:t>Common Vulnerability Scoring</a:t>
+            </a:r>
+            <a:r>
+              <a:rPr lang="en-US" baseline="0" dirty="0" smtClean="0"/>
+              <a:t> System (CVSS)</a:t>
+            </a:r>
+          </a:p>
+          <a:p>
+            <a:r>
+              <a:rPr lang="en-US" dirty="0" smtClean="0"/>
+              <a:t>Use automated</a:t>
+            </a:r>
+            <a:r>
+              <a:rPr lang="en-US" baseline="0" dirty="0" smtClean="0"/>
+              <a:t> patch management tools</a:t>
+            </a:r>
+          </a:p>
+          <a:p>
+            <a:pPr lvl="1"/>
+            <a:r>
+              <a:rPr lang="en-US" dirty="0" smtClean="0"/>
+              <a:t>OS and applications</a:t>
+            </a:r>
+          </a:p>
+          <a:p>
+            <a:pPr lvl="0"/>
+            <a:r>
+              <a:rPr lang="en-US" dirty="0" smtClean="0"/>
+              <a:t>Monitor logs to make sure patches are installed successfully</a:t>
+            </a:r>
+          </a:p>
+          <a:p>
+            <a:pPr lvl="0"/>
+            <a:r>
+              <a:rPr lang="en-US" dirty="0" smtClean="0"/>
+              <a:t>Tools</a:t>
+            </a:r>
+          </a:p>
+          <a:p>
+            <a:pPr lvl="1"/>
+            <a:r>
+              <a:rPr lang="en-US" dirty="0" smtClean="0"/>
+              <a:t>Nessus (free for noncommercial/home users)</a:t>
+            </a:r>
+          </a:p>
+          <a:p>
+            <a:pPr lvl="1"/>
+            <a:r>
+              <a:rPr lang="en-US" dirty="0" err="1" smtClean="0"/>
+              <a:t>OpenVAS</a:t>
+            </a:r>
+            <a:r>
+              <a:rPr lang="en-US" dirty="0" smtClean="0"/>
+              <a:t> (fork of Nessus)</a:t>
+            </a:r>
+          </a:p>
+        </p:txBody>
+      </p:sp>
+    </p:spTree>
+    <p:extLst>
+      <p:ext uri="{BB962C8B-B14F-4D97-AF65-F5344CB8AC3E}">
+        <p14:creationId xmlns:p14="http://schemas.microsoft.com/office/powerpoint/2010/main" val="3074359427"/>
+      </p:ext>
+    </p:extLst>
+  </p:cSld>
+  <p:clrMapOvr>
+    <a:masterClrMapping/>
+  </p:clrMapOvr>
+</p:sld>
+</file>
+
+<file path=ppt/slides/slide18.xml><?xml version="1.0" encoding="utf-8"?>
+<p:sld xmlns:a="http://schemas.openxmlformats.org/drawingml/2006/main" xmlns:r="http://schemas.openxmlformats.org/officeDocument/2006/relationships" xmlns:p="http://schemas.openxmlformats.org/presentationml/2006/main">
+  <p:cSld>
+    <p:spTree>
+      <p:nvGrpSpPr>
+        <p:cNvPr id="1" name=""/>
+        <p:cNvGrpSpPr/>
+        <p:nvPr/>
+      </p:nvGrpSpPr>
+      <p:grpSpPr>
+        <a:xfrm>
+          <a:off x="0" y="0"/>
+          <a:ext cx="0" cy="0"/>
+          <a:chOff x="0" y="0"/>
+          <a:chExt cx="0" cy="0"/>
+        </a:xfrm>
+      </p:grpSpPr>
+      <p:sp>
+        <p:nvSpPr>
+          <p:cNvPr id="5" name="Title 4"/>
+          <p:cNvSpPr>
+            <a:spLocks noGrp="1"/>
+          </p:cNvSpPr>
+          <p:nvPr>
+            <p:ph type="title"/>
+          </p:nvPr>
+        </p:nvSpPr>
+        <p:spPr/>
+        <p:txBody>
+          <a:bodyPr/>
+          <a:lstStyle/>
+          <a:p>
+            <a:r>
+              <a:rPr lang="en-US" dirty="0" smtClean="0"/>
+              <a:t>4. Vulnerability Management - </a:t>
             </a:r>
             <a:r>
               <a:rPr lang="en-US" dirty="0" err="1" smtClean="0"/>
@@ -7577,15 +7710,9 @@
               <a:rPr lang="en-US" baseline="0" dirty="0" smtClean="0">
                 <a:hlinkClick r:id="rId3"/>
               </a:rPr>
-              <a:t>http://www.openvas.org</a:t>
-            </a:r>
-            <a:r>
-              <a:rPr lang="en-US" baseline="0" smtClean="0">
-                <a:hlinkClick r:id="rId3"/>
-              </a:rPr>
-              <a:t>/</a:t>
-            </a:r>
-            <a:endParaRPr lang="en-US" baseline="0" smtClean="0"/>
+              <a:t>http://www.openvas.org/</a:t>
+            </a:r>
+            <a:endParaRPr lang="en-US" baseline="0" dirty="0" smtClean="0"/>
           </a:p>
         </p:txBody>
       </p:sp>
@@ -7602,7 +7729,7 @@
 </p:sld>
 </file>
 
-<file path=ppt/slides/slide18.xml><?xml version="1.0" encoding="utf-8"?>
+<file path=ppt/slides/slide19.xml><?xml version="1.0" encoding="utf-8"?>
 <p:sld xmlns:a="http://schemas.openxmlformats.org/drawingml/2006/main" xmlns:r="http://schemas.openxmlformats.org/officeDocument/2006/relationships" xmlns:p="http://schemas.openxmlformats.org/presentationml/2006/main">
   <p:cSld>
     <p:spTree>
@@ -7684,309 +7811,6 @@
 </p:sld>
 </file>
 
-<file path=ppt/slides/slide19.xml><?xml version="1.0" encoding="utf-8"?>
-<p:sld xmlns:a="http://schemas.openxmlformats.org/drawingml/2006/main" xmlns:r="http://schemas.openxmlformats.org/officeDocument/2006/relationships" xmlns:p="http://schemas.openxmlformats.org/presentationml/2006/main">
-  <p:cSld>
-    <p:spTree>
-      <p:nvGrpSpPr>
-        <p:cNvPr id="1" name=""/>
-        <p:cNvGrpSpPr/>
-        <p:nvPr/>
-      </p:nvGrpSpPr>
-      <p:grpSpPr>
-        <a:xfrm>
-          <a:off x="0" y="0"/>
-          <a:ext cx="0" cy="0"/>
-          <a:chOff x="0" y="0"/>
-          <a:chExt cx="0" cy="0"/>
-        </a:xfrm>
-      </p:grpSpPr>
-      <p:sp>
-        <p:nvSpPr>
-          <p:cNvPr id="2" name="Title 1"/>
-          <p:cNvSpPr>
-            <a:spLocks noGrp="1"/>
-          </p:cNvSpPr>
-          <p:nvPr>
-            <p:ph type="title"/>
-          </p:nvPr>
-        </p:nvSpPr>
-        <p:spPr/>
-        <p:txBody>
-          <a:bodyPr/>
-          <a:lstStyle/>
-          <a:p>
-            <a:pPr marL="0" marR="0" indent="0" algn="l" defTabSz="914400" rtl="0" eaLnBrk="1" fontAlgn="auto" latinLnBrk="0" hangingPunct="1">
-              <a:lnSpc>
-                <a:spcPct val="100000"/>
-              </a:lnSpc>
-              <a:spcBef>
-                <a:spcPct val="0"/>
-              </a:spcBef>
-              <a:spcAft>
-                <a:spcPts val="0"/>
-              </a:spcAft>
-              <a:buClrTx/>
-              <a:buSzTx/>
-              <a:buFontTx/>
-              <a:buNone/>
-              <a:tabLst/>
-              <a:defRPr/>
-            </a:pPr>
-            <a:r>
-              <a:rPr lang="en-US" sz="4000" dirty="0" smtClean="0">
-                <a:effectLst/>
-              </a:rPr>
-              <a:t>References</a:t>
-            </a:r>
-            <a:endParaRPr lang="en-US" dirty="0"/>
-          </a:p>
-        </p:txBody>
-      </p:sp>
-      <p:sp>
-        <p:nvSpPr>
-          <p:cNvPr id="3" name="Content Placeholder 2"/>
-          <p:cNvSpPr>
-            <a:spLocks noGrp="1"/>
-          </p:cNvSpPr>
-          <p:nvPr>
-            <p:ph idx="1"/>
-          </p:nvPr>
-        </p:nvSpPr>
-        <p:spPr/>
-        <p:txBody>
-          <a:bodyPr>
-            <a:normAutofit fontScale="77500" lnSpcReduction="20000"/>
-          </a:bodyPr>
-          <a:lstStyle/>
-          <a:p>
-            <a:pPr marL="0" marR="0" lvl="0" indent="0" algn="l" defTabSz="914400" rtl="0" eaLnBrk="1" fontAlgn="auto" latinLnBrk="0" hangingPunct="1">
-              <a:lnSpc>
-                <a:spcPct val="100000"/>
-              </a:lnSpc>
-              <a:spcBef>
-                <a:spcPct val="0"/>
-              </a:spcBef>
-              <a:spcAft>
-                <a:spcPts val="0"/>
-              </a:spcAft>
-              <a:buClrTx/>
-              <a:buSzTx/>
-              <a:buFontTx/>
-              <a:buNone/>
-              <a:tabLst/>
-              <a:defRPr/>
-            </a:pPr>
-            <a:r>
-              <a:rPr lang="en-US" sz="4000" dirty="0" smtClean="0">
-                <a:effectLst/>
-              </a:rPr>
-              <a:t>NIST SP800-53 – </a:t>
-            </a:r>
-            <a:r>
-              <a:rPr lang="en-US" sz="4000" dirty="0" smtClean="0">
-                <a:effectLst/>
-                <a:hlinkClick r:id="rId2"/>
-              </a:rPr>
-              <a:t>http://</a:t>
-            </a:r>
-            <a:r>
-              <a:rPr lang="en-US" sz="4000" dirty="0" err="1" smtClean="0">
-                <a:effectLst/>
-                <a:hlinkClick r:id="rId2"/>
-              </a:rPr>
-              <a:t>nvlpubs.nist.gov</a:t>
-            </a:r>
-            <a:r>
-              <a:rPr lang="en-US" sz="4000" dirty="0" smtClean="0">
-                <a:effectLst/>
-                <a:hlinkClick r:id="rId2"/>
-              </a:rPr>
-              <a:t>/</a:t>
-            </a:r>
-            <a:r>
-              <a:rPr lang="en-US" sz="4000" dirty="0" err="1" smtClean="0">
-                <a:effectLst/>
-                <a:hlinkClick r:id="rId2"/>
-              </a:rPr>
-              <a:t>nistpubs</a:t>
-            </a:r>
-            <a:r>
-              <a:rPr lang="en-US" sz="4000" dirty="0" smtClean="0">
-                <a:effectLst/>
-                <a:hlinkClick r:id="rId2"/>
-              </a:rPr>
-              <a:t>/</a:t>
-            </a:r>
-            <a:r>
-              <a:rPr lang="en-US" sz="4000" dirty="0" err="1" smtClean="0">
-                <a:effectLst/>
-                <a:hlinkClick r:id="rId2"/>
-              </a:rPr>
-              <a:t>SpecialPublications</a:t>
-            </a:r>
-            <a:r>
-              <a:rPr lang="en-US" sz="4000" dirty="0" smtClean="0">
-                <a:effectLst/>
-                <a:hlinkClick r:id="rId2"/>
-              </a:rPr>
-              <a:t>/NIST.SP.800-53r4.pdf</a:t>
-            </a:r>
-            <a:endParaRPr lang="en-US" sz="4000" dirty="0" smtClean="0">
-              <a:effectLst/>
-            </a:endParaRPr>
-          </a:p>
-          <a:p>
-            <a:pPr marL="0" marR="0" lvl="0" indent="0" algn="l" defTabSz="914400" rtl="0" eaLnBrk="1" fontAlgn="auto" latinLnBrk="0" hangingPunct="1">
-              <a:lnSpc>
-                <a:spcPct val="100000"/>
-              </a:lnSpc>
-              <a:spcBef>
-                <a:spcPct val="0"/>
-              </a:spcBef>
-              <a:spcAft>
-                <a:spcPts val="0"/>
-              </a:spcAft>
-              <a:buClrTx/>
-              <a:buSzTx/>
-              <a:buFontTx/>
-              <a:buNone/>
-              <a:tabLst/>
-              <a:defRPr/>
-            </a:pPr>
-            <a:r>
-              <a:rPr lang="en-US" sz="4000" dirty="0" smtClean="0">
-                <a:effectLst/>
-              </a:rPr>
-              <a:t>Critical Security</a:t>
-            </a:r>
-            <a:r>
-              <a:rPr lang="en-US" sz="4000" baseline="0" dirty="0" smtClean="0">
-                <a:effectLst/>
-              </a:rPr>
-              <a:t> Controls - </a:t>
-            </a:r>
-            <a:r>
-              <a:rPr lang="en-US" sz="4000" baseline="0" dirty="0" smtClean="0">
-                <a:effectLst/>
-                <a:hlinkClick r:id="rId3"/>
-              </a:rPr>
-              <a:t>http://www.counciloncybersecurity.org/critical-controls</a:t>
-            </a:r>
-            <a:r>
-              <a:rPr lang="en-US" sz="4000" baseline="0" dirty="0" smtClean="0">
-                <a:effectLst/>
-                <a:hlinkClick r:id="rId3"/>
-              </a:rPr>
-              <a:t>/</a:t>
-            </a:r>
-            <a:endParaRPr lang="en-US" sz="4000" baseline="0" dirty="0" smtClean="0">
-              <a:effectLst/>
-            </a:endParaRPr>
-          </a:p>
-          <a:p>
-            <a:pPr marL="0" marR="0" lvl="0" indent="0" algn="l" defTabSz="914400" rtl="0" eaLnBrk="1" fontAlgn="auto" latinLnBrk="0" hangingPunct="1">
-              <a:lnSpc>
-                <a:spcPct val="100000"/>
-              </a:lnSpc>
-              <a:spcBef>
-                <a:spcPct val="0"/>
-              </a:spcBef>
-              <a:spcAft>
-                <a:spcPts val="0"/>
-              </a:spcAft>
-              <a:buClrTx/>
-              <a:buSzTx/>
-              <a:buFontTx/>
-              <a:buNone/>
-              <a:tabLst/>
-              <a:defRPr/>
-            </a:pPr>
-            <a:r>
-              <a:rPr lang="en-US" sz="4000" baseline="0" dirty="0" smtClean="0">
-                <a:effectLst/>
-              </a:rPr>
-              <a:t>This presentation - </a:t>
-            </a:r>
-            <a:r>
-              <a:rPr lang="en-US" sz="4000" baseline="0" dirty="0" smtClean="0">
-                <a:effectLst/>
-                <a:hlinkClick r:id="rId4"/>
-              </a:rPr>
-              <a:t>https://</a:t>
-            </a:r>
-            <a:r>
-              <a:rPr lang="en-US" sz="4000" baseline="0" dirty="0" err="1" smtClean="0">
-                <a:effectLst/>
-                <a:hlinkClick r:id="rId4"/>
-              </a:rPr>
-              <a:t>github.com</a:t>
-            </a:r>
-            <a:r>
-              <a:rPr lang="en-US" sz="4000" baseline="0" dirty="0" smtClean="0">
-                <a:effectLst/>
-                <a:hlinkClick r:id="rId4"/>
-              </a:rPr>
-              <a:t>/</a:t>
-            </a:r>
-            <a:r>
-              <a:rPr lang="en-US" sz="4000" baseline="0" dirty="0" err="1" smtClean="0">
-                <a:effectLst/>
-                <a:hlinkClick r:id="rId4"/>
-              </a:rPr>
-              <a:t>RayDavidson</a:t>
-            </a:r>
-            <a:r>
-              <a:rPr lang="en-US" sz="4000" baseline="0" dirty="0" smtClean="0">
-                <a:effectLst/>
-                <a:hlinkClick r:id="rId4"/>
-              </a:rPr>
-              <a:t>/presentations</a:t>
-            </a:r>
-            <a:endParaRPr lang="en-US" sz="4000" baseline="0" dirty="0" smtClean="0">
-              <a:effectLst/>
-            </a:endParaRPr>
-          </a:p>
-          <a:p>
-            <a:pPr marL="0" marR="0" lvl="0" indent="0" algn="l" defTabSz="914400" rtl="0" eaLnBrk="1" fontAlgn="auto" latinLnBrk="0" hangingPunct="1">
-              <a:lnSpc>
-                <a:spcPct val="100000"/>
-              </a:lnSpc>
-              <a:spcBef>
-                <a:spcPct val="0"/>
-              </a:spcBef>
-              <a:spcAft>
-                <a:spcPts val="0"/>
-              </a:spcAft>
-              <a:buClrTx/>
-              <a:buSzTx/>
-              <a:buFontTx/>
-              <a:buNone/>
-              <a:tabLst/>
-              <a:defRPr/>
-            </a:pPr>
-            <a:endParaRPr lang="en-US" sz="4000" dirty="0" smtClean="0">
-              <a:effectLst/>
-            </a:endParaRPr>
-          </a:p>
-          <a:p>
-            <a:endParaRPr lang="en-US" dirty="0"/>
-          </a:p>
-        </p:txBody>
-      </p:sp>
-    </p:spTree>
-    <p:extLst>
-      <p:ext uri="{BB962C8B-B14F-4D97-AF65-F5344CB8AC3E}">
-        <p14:creationId xmlns:p14="http://schemas.microsoft.com/office/powerpoint/2010/main" val="226763567"/>
-      </p:ext>
-    </p:extLst>
-  </p:cSld>
-  <p:clrMapOvr>
-    <a:masterClrMapping/>
-  </p:clrMapOvr>
-</p:sld>
-</file>
-
 <file path=ppt/slides/slide2.xml><?xml version="1.0" encoding="utf-8"?>
 <p:sld xmlns:a="http://schemas.openxmlformats.org/drawingml/2006/main" xmlns:r="http://schemas.openxmlformats.org/officeDocument/2006/relationships" xmlns:p="http://schemas.openxmlformats.org/presentationml/2006/main">
   <p:cSld>
@@ -8040,16 +7864,26 @@
         <p:spPr/>
         <p:txBody>
           <a:bodyPr>
-            <a:normAutofit fontScale="92500" lnSpcReduction="10000"/>
+            <a:normAutofit fontScale="85000" lnSpcReduction="20000"/>
           </a:bodyPr>
           <a:lstStyle/>
           <a:p>
+            <a:pPr>
+              <a:lnSpc>
+                <a:spcPct val="70000"/>
+              </a:lnSpc>
+            </a:pPr>
             <a:r>
               <a:rPr lang="en-US" dirty="0" smtClean="0"/>
               <a:t>G W Ray Davidson</a:t>
             </a:r>
           </a:p>
           <a:p>
+            <a:pPr>
+              <a:lnSpc>
+                <a:spcPct val="70000"/>
+              </a:lnSpc>
+            </a:pPr>
             <a:r>
               <a:rPr lang="en-US" dirty="0" smtClean="0"/>
               <a:t>Engineer,</a:t>
@@ -8060,33 +7894,113 @@
             </a:r>
           </a:p>
           <a:p>
+            <a:pPr marL="228600" lvl="1" indent="0">
+              <a:lnSpc>
+                <a:spcPct val="70000"/>
+              </a:lnSpc>
+              <a:buNone/>
+            </a:pPr>
+            <a:r>
+              <a:rPr lang="en-US" baseline="0" dirty="0" smtClean="0"/>
+              <a:t>(When the earth and internet were new)</a:t>
+            </a:r>
+          </a:p>
+          <a:p>
+            <a:pPr>
+              <a:lnSpc>
+                <a:spcPct val="70000"/>
+              </a:lnSpc>
+            </a:pPr>
             <a:r>
               <a:rPr lang="en-US" baseline="0" dirty="0" smtClean="0"/>
               <a:t>Pharmaceutical Scientist</a:t>
             </a:r>
           </a:p>
           <a:p>
+            <a:pPr marL="228600" lvl="1" indent="0">
+              <a:lnSpc>
+                <a:spcPct val="70000"/>
+              </a:lnSpc>
+              <a:buNone/>
+            </a:pPr>
+            <a:r>
+              <a:rPr lang="en-US" baseline="0" dirty="0" smtClean="0"/>
+              <a:t>(Silicon Valley before the earthquake)</a:t>
+            </a:r>
+          </a:p>
+          <a:p>
+            <a:pPr>
+              <a:lnSpc>
+                <a:spcPct val="70000"/>
+              </a:lnSpc>
+            </a:pPr>
             <a:r>
               <a:rPr lang="en-US" baseline="0" dirty="0" smtClean="0"/>
               <a:t>IT Project Leader</a:t>
             </a:r>
           </a:p>
           <a:p>
+            <a:pPr>
+              <a:lnSpc>
+                <a:spcPct val="70000"/>
+              </a:lnSpc>
+            </a:pPr>
             <a:r>
               <a:rPr lang="en-US" baseline="0" dirty="0" smtClean="0"/>
               <a:t>Professor – Networking &amp; Security (Purdue)</a:t>
             </a:r>
           </a:p>
           <a:p>
+            <a:pPr>
+              <a:lnSpc>
+                <a:spcPct val="70000"/>
+              </a:lnSpc>
+            </a:pPr>
             <a:r>
               <a:rPr lang="en-US" baseline="0" dirty="0" smtClean="0"/>
               <a:t>Dean, SANS Technology Institute</a:t>
             </a:r>
           </a:p>
           <a:p>
+            <a:pPr>
+              <a:lnSpc>
+                <a:spcPct val="70000"/>
+              </a:lnSpc>
+            </a:pPr>
             <a:r>
               <a:rPr lang="en-US" baseline="0" dirty="0" smtClean="0"/>
-              <a:t>Intelligent Threat</a:t>
+              <a:t>VP, Knowledge Management, </a:t>
+            </a:r>
+            <a:r>
+              <a:rPr lang="en-US" baseline="0" dirty="0" err="1" smtClean="0"/>
+              <a:t>Syncurity</a:t>
+            </a:r>
+            <a:r>
+              <a:rPr lang="en-US" baseline="0" dirty="0" smtClean="0"/>
+              <a:t> </a:t>
+            </a:r>
+          </a:p>
+          <a:p>
+            <a:pPr marL="228600" lvl="1" indent="0">
+              <a:lnSpc>
+                <a:spcPct val="70000"/>
+              </a:lnSpc>
+              <a:buNone/>
+            </a:pPr>
+            <a:r>
+              <a:rPr lang="en-US" baseline="0" dirty="0" smtClean="0"/>
+              <a:t>(Startup in N Virginia/DC)</a:t>
+            </a:r>
+          </a:p>
+          <a:p>
+            <a:pPr>
+              <a:lnSpc>
+                <a:spcPct val="70000"/>
+              </a:lnSpc>
+            </a:pPr>
+            <a:r>
+              <a:rPr lang="en-US" baseline="0" dirty="0" smtClean="0"/>
+              <a:t>Intelligent Threat, PhD, CISSP, GIAC 0x0A</a:t>
             </a:r>
             <a:endParaRPr lang="en-US" dirty="0"/>
           </a:p>
@@ -8142,6 +8056,309 @@
 </p:sld>
 </file>
 
+<file path=ppt/slides/slide20.xml><?xml version="1.0" encoding="utf-8"?>
+<p:sld xmlns:a="http://schemas.openxmlformats.org/drawingml/2006/main" xmlns:r="http://schemas.openxmlformats.org/officeDocument/2006/relationships" xmlns:p="http://schemas.openxmlformats.org/presentationml/2006/main">
+  <p:cSld>
+    <p:spTree>
+      <p:nvGrpSpPr>
+        <p:cNvPr id="1" name=""/>
+        <p:cNvGrpSpPr/>
+        <p:nvPr/>
+      </p:nvGrpSpPr>
+      <p:grpSpPr>
+        <a:xfrm>
+          <a:off x="0" y="0"/>
+          <a:ext cx="0" cy="0"/>
+          <a:chOff x="0" y="0"/>
+          <a:chExt cx="0" cy="0"/>
+        </a:xfrm>
+      </p:grpSpPr>
+      <p:sp>
+        <p:nvSpPr>
+          <p:cNvPr id="2" name="Title 1"/>
+          <p:cNvSpPr>
+            <a:spLocks noGrp="1"/>
+          </p:cNvSpPr>
+          <p:nvPr>
+            <p:ph type="title"/>
+          </p:nvPr>
+        </p:nvSpPr>
+        <p:spPr/>
+        <p:txBody>
+          <a:bodyPr/>
+          <a:lstStyle/>
+          <a:p>
+            <a:pPr marL="0" marR="0" indent="0" algn="l" defTabSz="914400" rtl="0" eaLnBrk="1" fontAlgn="auto" latinLnBrk="0" hangingPunct="1">
+              <a:lnSpc>
+                <a:spcPct val="100000"/>
+              </a:lnSpc>
+              <a:spcBef>
+                <a:spcPct val="0"/>
+              </a:spcBef>
+              <a:spcAft>
+                <a:spcPts val="0"/>
+              </a:spcAft>
+              <a:buClrTx/>
+              <a:buSzTx/>
+              <a:buFontTx/>
+              <a:buNone/>
+              <a:tabLst/>
+              <a:defRPr/>
+            </a:pPr>
+            <a:r>
+              <a:rPr lang="en-US" sz="4000" dirty="0" smtClean="0">
+                <a:effectLst/>
+              </a:rPr>
+              <a:t>References</a:t>
+            </a:r>
+            <a:endParaRPr lang="en-US" dirty="0"/>
+          </a:p>
+        </p:txBody>
+      </p:sp>
+      <p:sp>
+        <p:nvSpPr>
+          <p:cNvPr id="3" name="Content Placeholder 2"/>
+          <p:cNvSpPr>
+            <a:spLocks noGrp="1"/>
+          </p:cNvSpPr>
+          <p:nvPr>
+            <p:ph idx="1"/>
+          </p:nvPr>
+        </p:nvSpPr>
+        <p:spPr/>
+        <p:txBody>
+          <a:bodyPr>
+            <a:normAutofit fontScale="77500" lnSpcReduction="20000"/>
+          </a:bodyPr>
+          <a:lstStyle/>
+          <a:p>
+            <a:pPr marL="0" marR="0" lvl="0" indent="0" algn="l" defTabSz="914400" rtl="0" eaLnBrk="1" fontAlgn="auto" latinLnBrk="0" hangingPunct="1">
+              <a:lnSpc>
+                <a:spcPct val="100000"/>
+              </a:lnSpc>
+              <a:spcBef>
+                <a:spcPct val="0"/>
+              </a:spcBef>
+              <a:spcAft>
+                <a:spcPts val="0"/>
+              </a:spcAft>
+              <a:buClrTx/>
+              <a:buSzTx/>
+              <a:buFontTx/>
+              <a:buNone/>
+              <a:tabLst/>
+              <a:defRPr/>
+            </a:pPr>
+            <a:r>
+              <a:rPr lang="en-US" sz="4000" dirty="0" smtClean="0">
+                <a:effectLst/>
+              </a:rPr>
+              <a:t>NIST SP800-53 – </a:t>
+            </a:r>
+            <a:r>
+              <a:rPr lang="en-US" sz="4000" dirty="0" smtClean="0">
+                <a:effectLst/>
+                <a:hlinkClick r:id="rId2"/>
+              </a:rPr>
+              <a:t>http://</a:t>
+            </a:r>
+            <a:r>
+              <a:rPr lang="en-US" sz="4000" dirty="0" err="1" smtClean="0">
+                <a:effectLst/>
+                <a:hlinkClick r:id="rId2"/>
+              </a:rPr>
+              <a:t>nvlpubs.nist.gov</a:t>
+            </a:r>
+            <a:r>
+              <a:rPr lang="en-US" sz="4000" dirty="0" smtClean="0">
+                <a:effectLst/>
+                <a:hlinkClick r:id="rId2"/>
+              </a:rPr>
+              <a:t>/</a:t>
+            </a:r>
+            <a:r>
+              <a:rPr lang="en-US" sz="4000" dirty="0" err="1" smtClean="0">
+                <a:effectLst/>
+                <a:hlinkClick r:id="rId2"/>
+              </a:rPr>
+              <a:t>nistpubs</a:t>
+            </a:r>
+            <a:r>
+              <a:rPr lang="en-US" sz="4000" dirty="0" smtClean="0">
+                <a:effectLst/>
+                <a:hlinkClick r:id="rId2"/>
+              </a:rPr>
+              <a:t>/</a:t>
+            </a:r>
+            <a:r>
+              <a:rPr lang="en-US" sz="4000" dirty="0" err="1" smtClean="0">
+                <a:effectLst/>
+                <a:hlinkClick r:id="rId2"/>
+              </a:rPr>
+              <a:t>SpecialPublications</a:t>
+            </a:r>
+            <a:r>
+              <a:rPr lang="en-US" sz="4000" dirty="0" smtClean="0">
+                <a:effectLst/>
+                <a:hlinkClick r:id="rId2"/>
+              </a:rPr>
+              <a:t>/NIST.SP.800-53r4.pdf</a:t>
+            </a:r>
+            <a:endParaRPr lang="en-US" sz="4000" dirty="0" smtClean="0">
+              <a:effectLst/>
+            </a:endParaRPr>
+          </a:p>
+          <a:p>
+            <a:pPr marL="0" marR="0" lvl="0" indent="0" algn="l" defTabSz="914400" rtl="0" eaLnBrk="1" fontAlgn="auto" latinLnBrk="0" hangingPunct="1">
+              <a:lnSpc>
+                <a:spcPct val="100000"/>
+              </a:lnSpc>
+              <a:spcBef>
+                <a:spcPct val="0"/>
+              </a:spcBef>
+              <a:spcAft>
+                <a:spcPts val="0"/>
+              </a:spcAft>
+              <a:buClrTx/>
+              <a:buSzTx/>
+              <a:buFontTx/>
+              <a:buNone/>
+              <a:tabLst/>
+              <a:defRPr/>
+            </a:pPr>
+            <a:r>
+              <a:rPr lang="en-US" sz="4000" dirty="0" smtClean="0">
+                <a:effectLst/>
+              </a:rPr>
+              <a:t>Critical Security</a:t>
+            </a:r>
+            <a:r>
+              <a:rPr lang="en-US" sz="4000" baseline="0" dirty="0" smtClean="0">
+                <a:effectLst/>
+              </a:rPr>
+              <a:t> Controls - </a:t>
+            </a:r>
+            <a:r>
+              <a:rPr lang="en-US" sz="4000" baseline="0" dirty="0" smtClean="0">
+                <a:effectLst/>
+                <a:hlinkClick r:id="rId3"/>
+              </a:rPr>
+              <a:t>http://www.counciloncybersecurity.org/critical-controls</a:t>
+            </a:r>
+            <a:r>
+              <a:rPr lang="en-US" sz="4000" baseline="0" dirty="0" smtClean="0">
+                <a:effectLst/>
+                <a:hlinkClick r:id="rId3"/>
+              </a:rPr>
+              <a:t>/</a:t>
+            </a:r>
+            <a:endParaRPr lang="en-US" sz="4000" baseline="0" dirty="0" smtClean="0">
+              <a:effectLst/>
+            </a:endParaRPr>
+          </a:p>
+          <a:p>
+            <a:pPr marL="0" marR="0" lvl="0" indent="0" algn="l" defTabSz="914400" rtl="0" eaLnBrk="1" fontAlgn="auto" latinLnBrk="0" hangingPunct="1">
+              <a:lnSpc>
+                <a:spcPct val="100000"/>
+              </a:lnSpc>
+              <a:spcBef>
+                <a:spcPct val="0"/>
+              </a:spcBef>
+              <a:spcAft>
+                <a:spcPts val="0"/>
+              </a:spcAft>
+              <a:buClrTx/>
+              <a:buSzTx/>
+              <a:buFontTx/>
+              <a:buNone/>
+              <a:tabLst/>
+              <a:defRPr/>
+            </a:pPr>
+            <a:r>
+              <a:rPr lang="en-US" sz="4000" baseline="0" dirty="0" smtClean="0">
+                <a:effectLst/>
+              </a:rPr>
+              <a:t>This presentation - </a:t>
+            </a:r>
+            <a:r>
+              <a:rPr lang="en-US" sz="4000" baseline="0" dirty="0" smtClean="0">
+                <a:effectLst/>
+                <a:hlinkClick r:id="rId4"/>
+              </a:rPr>
+              <a:t>https://</a:t>
+            </a:r>
+            <a:r>
+              <a:rPr lang="en-US" sz="4000" baseline="0" dirty="0" err="1" smtClean="0">
+                <a:effectLst/>
+                <a:hlinkClick r:id="rId4"/>
+              </a:rPr>
+              <a:t>github.com</a:t>
+            </a:r>
+            <a:r>
+              <a:rPr lang="en-US" sz="4000" baseline="0" dirty="0" smtClean="0">
+                <a:effectLst/>
+                <a:hlinkClick r:id="rId4"/>
+              </a:rPr>
+              <a:t>/</a:t>
+            </a:r>
+            <a:r>
+              <a:rPr lang="en-US" sz="4000" baseline="0" dirty="0" err="1" smtClean="0">
+                <a:effectLst/>
+                <a:hlinkClick r:id="rId4"/>
+              </a:rPr>
+              <a:t>RayDavidson</a:t>
+            </a:r>
+            <a:r>
+              <a:rPr lang="en-US" sz="4000" baseline="0" dirty="0" smtClean="0">
+                <a:effectLst/>
+                <a:hlinkClick r:id="rId4"/>
+              </a:rPr>
+              <a:t>/presentations</a:t>
+            </a:r>
+            <a:endParaRPr lang="en-US" sz="4000" baseline="0" dirty="0" smtClean="0">
+              <a:effectLst/>
+            </a:endParaRPr>
+          </a:p>
+          <a:p>
+            <a:pPr marL="0" marR="0" lvl="0" indent="0" algn="l" defTabSz="914400" rtl="0" eaLnBrk="1" fontAlgn="auto" latinLnBrk="0" hangingPunct="1">
+              <a:lnSpc>
+                <a:spcPct val="100000"/>
+              </a:lnSpc>
+              <a:spcBef>
+                <a:spcPct val="0"/>
+              </a:spcBef>
+              <a:spcAft>
+                <a:spcPts val="0"/>
+              </a:spcAft>
+              <a:buClrTx/>
+              <a:buSzTx/>
+              <a:buFontTx/>
+              <a:buNone/>
+              <a:tabLst/>
+              <a:defRPr/>
+            </a:pPr>
+            <a:endParaRPr lang="en-US" sz="4000" dirty="0" smtClean="0">
+              <a:effectLst/>
+            </a:endParaRPr>
+          </a:p>
+          <a:p>
+            <a:endParaRPr lang="en-US" dirty="0"/>
+          </a:p>
+        </p:txBody>
+      </p:sp>
+    </p:spTree>
+    <p:extLst>
+      <p:ext uri="{BB962C8B-B14F-4D97-AF65-F5344CB8AC3E}">
+        <p14:creationId xmlns:p14="http://schemas.microsoft.com/office/powerpoint/2010/main" val="226763567"/>
+      </p:ext>
+    </p:extLst>
+  </p:cSld>
+  <p:clrMapOvr>
+    <a:masterClrMapping/>
+  </p:clrMapOvr>
+</p:sld>
+</file>
+
 <file path=ppt/slides/slide3.xml><?xml version="1.0" encoding="utf-8"?>
 <p:sld xmlns:a="http://schemas.openxmlformats.org/drawingml/2006/main" xmlns:r="http://schemas.openxmlformats.org/officeDocument/2006/relationships" xmlns:p="http://schemas.openxmlformats.org/presentationml/2006/main">
   <p:cSld>
@@ -8297,113 +8514,40 @@
           <a:chExt cx="0" cy="0"/>
         </a:xfrm>
       </p:grpSpPr>
-      <p:sp>
-        <p:nvSpPr>
-          <p:cNvPr id="2" name="Title 1"/>
-          <p:cNvSpPr>
-            <a:spLocks noGrp="1"/>
-          </p:cNvSpPr>
-          <p:nvPr>
-            <p:ph type="title"/>
-          </p:nvPr>
-        </p:nvSpPr>
-        <p:spPr/>
-        <p:txBody>
-          <a:bodyPr/>
-          <a:lstStyle/>
-          <a:p>
-            <a:r>
-              <a:rPr lang="en-US" dirty="0" smtClean="0"/>
-              <a:t>Quick Wins from the CSC</a:t>
-            </a:r>
-            <a:endParaRPr lang="en-US" dirty="0"/>
-          </a:p>
-        </p:txBody>
-      </p:sp>
-      <p:sp>
-        <p:nvSpPr>
-          <p:cNvPr id="3" name="Content Placeholder 2"/>
-          <p:cNvSpPr>
-            <a:spLocks noGrp="1"/>
-          </p:cNvSpPr>
-          <p:nvPr>
-            <p:ph idx="1"/>
-          </p:nvPr>
-        </p:nvSpPr>
-        <p:spPr/>
-        <p:txBody>
-          <a:bodyPr/>
-          <a:lstStyle/>
-          <a:p>
-            <a:r>
-              <a:rPr lang="en-US" dirty="0" smtClean="0"/>
-              <a:t>Hardware Inventory</a:t>
-            </a:r>
-          </a:p>
-          <a:p>
-            <a:pPr lvl="1"/>
-            <a:r>
-              <a:rPr lang="en-US" dirty="0" smtClean="0"/>
-              <a:t>Control and monitor access</a:t>
-            </a:r>
-          </a:p>
-          <a:p>
-            <a:r>
-              <a:rPr lang="en-US" dirty="0" smtClean="0"/>
-              <a:t>Software</a:t>
-            </a:r>
-            <a:r>
-              <a:rPr lang="en-US" baseline="0" dirty="0" smtClean="0"/>
-              <a:t> Inventory</a:t>
-            </a:r>
-          </a:p>
-          <a:p>
-            <a:pPr lvl="1"/>
-            <a:r>
-              <a:rPr lang="en-US" baseline="0" dirty="0" err="1" smtClean="0"/>
-              <a:t>Add’l</a:t>
-            </a:r>
-            <a:r>
-              <a:rPr lang="en-US" baseline="0" dirty="0" smtClean="0"/>
-              <a:t> benefit – license management</a:t>
-            </a:r>
-          </a:p>
-          <a:p>
-            <a:r>
-              <a:rPr lang="en-US" baseline="0" dirty="0" smtClean="0"/>
-              <a:t>Secure HW &amp; SW Configuration</a:t>
-            </a:r>
-          </a:p>
-          <a:p>
-            <a:pPr lvl="1"/>
-            <a:r>
-              <a:rPr lang="en-US" baseline="0" dirty="0" smtClean="0"/>
-              <a:t>Limited admin privileges</a:t>
-            </a:r>
-          </a:p>
-          <a:p>
-            <a:r>
-              <a:rPr lang="en-US" baseline="0" dirty="0" smtClean="0"/>
-              <a:t>Continuous Vulnerability Management and Remediation</a:t>
-            </a:r>
-          </a:p>
-          <a:p>
-            <a:pPr lvl="1"/>
-            <a:r>
-              <a:rPr lang="en-US" baseline="0" dirty="0" smtClean="0"/>
-              <a:t>Rapid </a:t>
-            </a:r>
-            <a:r>
-              <a:rPr lang="en-US" baseline="0" dirty="0" smtClean="0"/>
-              <a:t>patching</a:t>
-            </a:r>
-          </a:p>
-        </p:txBody>
-      </p:sp>
+      <p:pic>
+        <p:nvPicPr>
+          <p:cNvPr id="4" name="Picture 3" descr="2015-10-13_21-56-50.png"/>
+          <p:cNvPicPr>
+            <a:picLocks noChangeAspect="1"/>
+          </p:cNvPicPr>
+          <p:nvPr/>
+        </p:nvPicPr>
+        <p:blipFill>
+          <a:blip r:embed="rId2">
+            <a:extLst>
+              <a:ext uri="{28A0092B-C50C-407E-A947-70E740481C1C}">
+                <a14:useLocalDpi xmlns:a14="http://schemas.microsoft.com/office/drawing/2010/main" val="0"/>
+              </a:ext>
+            </a:extLst>
+          </a:blip>
+          <a:stretch>
+            <a:fillRect/>
+          </a:stretch>
+        </p:blipFill>
+        <p:spPr>
+          <a:xfrm>
+            <a:off x="219146" y="349019"/>
+            <a:ext cx="8712574" cy="6204800"/>
+          </a:xfrm>
+          <a:prstGeom prst="rect">
+            <a:avLst/>
+          </a:prstGeom>
+        </p:spPr>
+      </p:pic>
     </p:spTree>
     <p:extLst>
       <p:ext uri="{BB962C8B-B14F-4D97-AF65-F5344CB8AC3E}">
-        <p14:creationId xmlns:p14="http://schemas.microsoft.com/office/powerpoint/2010/main" val="2999870604"/>
+        <p14:creationId xmlns:p14="http://schemas.microsoft.com/office/powerpoint/2010/main" val="2611278774"/>
       </p:ext>
     </p:extLst>
   </p:cSld>
@@ -8452,14 +8596,13 @@
           <a:bodyPr/>
           <a:lstStyle/>
           <a:p>
-            <a:pPr lvl="0"/>
             <a:r>
               <a:rPr lang="en-US" dirty="0" smtClean="0"/>
-              <a:t>Know</a:t>
-            </a:r>
-            <a:r>
-              <a:rPr lang="en-US" baseline="0" dirty="0" smtClean="0"/>
-              <a:t> Your Network</a:t>
+              <a:t>Quick Wins from the </a:t>
+            </a:r>
+            <a:r>
+              <a:rPr lang="en-US" dirty="0" smtClean="0"/>
+              <a:t>CSC (Courtesy ASD)</a:t>
             </a:r>
             <a:endParaRPr lang="en-US" dirty="0"/>
           </a:p>
@@ -8480,79 +8623,88 @@
           <a:bodyPr/>
           <a:lstStyle/>
           <a:p>
-            <a:pPr lvl="0"/>
+            <a:r>
+              <a:rPr lang="en-US" dirty="0" smtClean="0"/>
+              <a:t>Hardware Inventory</a:t>
+            </a:r>
+          </a:p>
+          <a:p>
+            <a:pPr lvl="1"/>
+            <a:r>
+              <a:rPr lang="en-US" dirty="0" smtClean="0"/>
+              <a:t>Control and monitor access</a:t>
+            </a:r>
+          </a:p>
+          <a:p>
+            <a:r>
+              <a:rPr lang="en-US" dirty="0" smtClean="0"/>
+              <a:t>Software</a:t>
+            </a:r>
             <a:r>
               <a:rPr lang="en-US" baseline="0" dirty="0" smtClean="0"/>
-              <a:t>Control and monitor access</a:t>
-            </a:r>
-          </a:p>
-          <a:p>
-            <a:pPr lvl="0"/>
+              <a:t> Inventory</a:t>
+            </a:r>
+          </a:p>
+          <a:p>
+            <a:pPr lvl="1"/>
+            <a:r>
+              <a:rPr lang="en-US" baseline="0" dirty="0" err="1" smtClean="0"/>
+              <a:t>Add’l</a:t>
+            </a:r>
             <a:r>
               <a:rPr lang="en-US" baseline="0" dirty="0" smtClean="0"/>
-              <a:t>Control and monitor configuration</a:t>
-            </a:r>
-          </a:p>
-          <a:p>
-            <a:pPr lvl="0"/>
+              <a:t> benefit – license management</a:t>
+            </a:r>
+          </a:p>
+          <a:p>
             <a:r>
               <a:rPr lang="en-US" baseline="0" dirty="0" smtClean="0"/>
-              <a:t>Determine a baseline</a:t>
-            </a:r>
-          </a:p>
-          <a:p>
-            <a:pPr lvl="0"/>
+              <a:t>Secure HW &amp; SW Configuration</a:t>
+            </a:r>
+          </a:p>
+          <a:p>
+            <a:pPr lvl="1"/>
             <a:r>
               <a:rPr lang="en-US" baseline="0" dirty="0" smtClean="0"/>
-              <a:t>Detect and remediate excursions</a:t>
-            </a:r>
-          </a:p>
-          <a:p>
-            <a:pPr lvl="0"/>
+              <a:t>Limited admin privileges</a:t>
+            </a:r>
+          </a:p>
+          <a:p>
             <a:r>
               <a:rPr lang="en-US" baseline="0" dirty="0" smtClean="0"/>
-              <a:t>Rinse and repeat (Continuous Monitoring)</a:t>
-            </a:r>
-            <a:endParaRPr lang="en-US" dirty="0" smtClean="0"/>
-          </a:p>
-        </p:txBody>
-      </p:sp>
-      <p:sp>
-        <p:nvSpPr>
-          <p:cNvPr id="4" name="TextBox 3"/>
-          <p:cNvSpPr txBox="1"/>
-          <p:nvPr/>
-        </p:nvSpPr>
-        <p:spPr>
-          <a:xfrm>
-            <a:off x="3421529" y="2973294"/>
-            <a:ext cx="184666" cy="369332"/>
-          </a:xfrm>
-          <a:prstGeom prst="rect">
-            <a:avLst/>
-          </a:prstGeom>
-          <a:noFill/>
-        </p:spPr>
-        <p:txBody>
-          <a:bodyPr wrap="none" rtlCol="0">
-            <a:spAutoFit/>
-          </a:bodyPr>
-          <a:lstStyle/>
-          <a:p>
-            <a:endParaRPr lang="en-US" dirty="0"/>
+              <a:t>Continuous Vulnerability Management and Remediation</a:t>
+            </a:r>
+          </a:p>
+          <a:p>
+            <a:pPr lvl="1"/>
+            <a:r>
+              <a:rPr lang="en-US" baseline="0" dirty="0" smtClean="0"/>
+              <a:t>Rapid </a:t>
+            </a:r>
+            <a:r>
+              <a:rPr lang="en-US" baseline="0" dirty="0" smtClean="0"/>
+              <a:t>patching</a:t>
+            </a:r>
           </a:p>
         </p:txBody>
       </p:sp>
     </p:spTree>
     <p:extLst>
       <p:ext uri="{BB962C8B-B14F-4D97-AF65-F5344CB8AC3E}">
-        <p14:creationId xmlns:p14="http://schemas.microsoft.com/office/powerpoint/2010/main" val="4185380164"/>
+        <p14:creationId xmlns:p14="http://schemas.microsoft.com/office/powerpoint/2010/main" val="2999870604"/>
       </p:ext>
     </p:extLst>
   </p:cSld>
   <p:clrMapOvr>
     <a:masterClrMapping/>
   </p:clrMapOvr>
+  <p:timing>
+    <p:tnLst>
+      <p:par>
+        <p:cTn xmlns:p14="http://schemas.microsoft.com/office/powerpoint/2010/main" id="1" dur="indefinite" restart="never" nodeType="tmRoot"/>
+      </p:par>
+    </p:tnLst>
+  </p:timing>
 </p:sld>
 </file>
 
@@ -8585,79 +8737,104 @@
         </p:nvSpPr>
         <p:spPr/>
         <p:txBody>
-          <a:bodyPr>
-            <a:normAutofit/>
+          <a:bodyPr/>
+          <a:lstStyle/>
+          <a:p>
+            <a:pPr lvl="0"/>
+            <a:r>
+              <a:rPr lang="en-US" dirty="0" smtClean="0"/>
+              <a:t>Know</a:t>
+            </a:r>
+            <a:r>
+              <a:rPr lang="en-US" baseline="0" dirty="0" smtClean="0"/>
+              <a:t> Your Network</a:t>
+            </a:r>
+            <a:endParaRPr lang="en-US" dirty="0"/>
+          </a:p>
+        </p:txBody>
+      </p:sp>
+      <p:sp>
+        <p:nvSpPr>
+          <p:cNvPr id="3" name="Content Placeholder 2"/>
+          <p:cNvSpPr>
+            <a:spLocks noGrp="1"/>
+          </p:cNvSpPr>
+          <p:nvPr>
+            <p:ph idx="1"/>
+          </p:nvPr>
+        </p:nvSpPr>
+        <p:spPr/>
+        <p:txBody>
+          <a:bodyPr/>
+          <a:lstStyle/>
+          <a:p>
+            <a:pPr lvl="0"/>
+            <a:r>
+              <a:rPr lang="en-US" baseline="0" dirty="0" smtClean="0"/>
+              <a:t>Control and monitor access</a:t>
+            </a:r>
+          </a:p>
+          <a:p>
+            <a:pPr lvl="0"/>
+            <a:r>
+              <a:rPr lang="en-US" baseline="0" dirty="0" smtClean="0"/>
+              <a:t>Control and monitor configuration</a:t>
+            </a:r>
+          </a:p>
+          <a:p>
+            <a:pPr lvl="0"/>
+            <a:r>
+              <a:rPr lang="en-US" baseline="0" dirty="0" smtClean="0"/>
+              <a:t>Determine a baseline</a:t>
+            </a:r>
+          </a:p>
+          <a:p>
+            <a:pPr lvl="0"/>
+            <a:r>
+              <a:rPr lang="en-US" baseline="0" dirty="0" smtClean="0"/>
+              <a:t>Detect and remediate excursions</a:t>
+            </a:r>
+          </a:p>
+          <a:p>
+            <a:pPr lvl="0"/>
+            <a:r>
+              <a:rPr lang="en-US" baseline="0" dirty="0" smtClean="0"/>
+              <a:t>Rinse and repeat (Continuous Monitoring)</a:t>
+            </a:r>
+            <a:endParaRPr lang="en-US" dirty="0" smtClean="0"/>
+          </a:p>
+        </p:txBody>
+      </p:sp>
+      <p:sp>
+        <p:nvSpPr>
+          <p:cNvPr id="4" name="TextBox 3"/>
+          <p:cNvSpPr txBox="1"/>
+          <p:nvPr/>
+        </p:nvSpPr>
+        <p:spPr>
+          <a:xfrm>
+            <a:off x="3421529" y="2973294"/>
+            <a:ext cx="184666" cy="369332"/>
+          </a:xfrm>
+          <a:prstGeom prst="rect">
+            <a:avLst/>
+          </a:prstGeom>
+          <a:noFill/>
+        </p:spPr>
+        <p:txBody>
+          <a:bodyPr wrap="none" rtlCol="0">
+            <a:spAutoFit/>
           </a:bodyPr>
           <a:lstStyle/>
           <a:p>
-            <a:pPr lvl="0"/>
-            <a:r>
-              <a:rPr lang="en-US" dirty="0" smtClean="0"/>
-              <a:t>Hardware</a:t>
-            </a:r>
-            <a:r>
-              <a:rPr lang="en-US" baseline="0" dirty="0" smtClean="0"/>
-              <a:t> Inventory (Nice to have)</a:t>
-            </a:r>
             <a:endParaRPr lang="en-US" dirty="0"/>
-          </a:p>
-        </p:txBody>
-      </p:sp>
-      <p:sp>
-        <p:nvSpPr>
-          <p:cNvPr id="3" name="Content Placeholder 2"/>
-          <p:cNvSpPr>
-            <a:spLocks noGrp="1"/>
-          </p:cNvSpPr>
-          <p:nvPr>
-            <p:ph idx="1"/>
-          </p:nvPr>
-        </p:nvSpPr>
-        <p:spPr/>
-        <p:txBody>
-          <a:bodyPr/>
-          <a:lstStyle/>
-          <a:p>
-            <a:r>
-              <a:rPr lang="en-US" dirty="0" smtClean="0"/>
-              <a:t>Network</a:t>
-            </a:r>
-            <a:r>
-              <a:rPr lang="en-US" baseline="0" dirty="0" smtClean="0"/>
-              <a:t> Address</a:t>
-            </a:r>
-          </a:p>
-          <a:p>
-            <a:r>
-              <a:rPr lang="en-US" baseline="0" dirty="0" smtClean="0"/>
-              <a:t>Machine Name</a:t>
-            </a:r>
-          </a:p>
-          <a:p>
-            <a:r>
-              <a:rPr lang="en-US" baseline="0" dirty="0" smtClean="0"/>
-              <a:t>System Purpose</a:t>
-            </a:r>
-          </a:p>
-          <a:p>
-            <a:r>
-              <a:rPr lang="en-US" baseline="0" dirty="0" smtClean="0"/>
-              <a:t>System Owner</a:t>
-            </a:r>
-          </a:p>
-          <a:p>
-            <a:r>
-              <a:rPr lang="en-US" baseline="0" dirty="0" smtClean="0"/>
-              <a:t>Responsible Department</a:t>
-            </a:r>
-            <a:endParaRPr lang="en-US" dirty="0" smtClean="0"/>
           </a:p>
         </p:txBody>
       </p:sp>
     </p:spTree>
     <p:extLst>
       <p:ext uri="{BB962C8B-B14F-4D97-AF65-F5344CB8AC3E}">
-        <p14:creationId xmlns:p14="http://schemas.microsoft.com/office/powerpoint/2010/main" val="3277075134"/>
+        <p14:creationId xmlns:p14="http://schemas.microsoft.com/office/powerpoint/2010/main" val="4185380164"/>
       </p:ext>
     </p:extLst>
   </p:cSld>
@@ -8703,74 +8880,74 @@
         </p:nvSpPr>
         <p:spPr/>
         <p:txBody>
+          <a:bodyPr>
+            <a:normAutofit/>
+          </a:bodyPr>
+          <a:lstStyle/>
+          <a:p>
+            <a:pPr lvl="0"/>
+            <a:r>
+              <a:rPr lang="en-US" dirty="0" smtClean="0"/>
+              <a:t>1. Hardware</a:t>
+            </a:r>
+            <a:r>
+              <a:rPr lang="en-US" baseline="0" dirty="0" smtClean="0"/>
+              <a:t> </a:t>
+            </a:r>
+            <a:r>
+              <a:rPr lang="en-US" baseline="0" dirty="0" smtClean="0"/>
+              <a:t>Inventory (Nice to have)</a:t>
+            </a:r>
+            <a:endParaRPr lang="en-US" dirty="0"/>
+          </a:p>
+        </p:txBody>
+      </p:sp>
+      <p:sp>
+        <p:nvSpPr>
+          <p:cNvPr id="3" name="Content Placeholder 2"/>
+          <p:cNvSpPr>
+            <a:spLocks noGrp="1"/>
+          </p:cNvSpPr>
+          <p:nvPr>
+            <p:ph idx="1"/>
+          </p:nvPr>
+        </p:nvSpPr>
+        <p:spPr/>
+        <p:txBody>
           <a:bodyPr/>
           <a:lstStyle/>
           <a:p>
-            <a:pPr lvl="0"/>
             <a:r>
               <a:rPr lang="en-US" dirty="0" smtClean="0"/>
-              <a:t>Hardware </a:t>
-            </a:r>
-            <a:r>
-              <a:rPr lang="en-US" dirty="0" smtClean="0"/>
-              <a:t>Inventory - How</a:t>
-            </a:r>
-            <a:endParaRPr lang="en-US" dirty="0"/>
-          </a:p>
-        </p:txBody>
-      </p:sp>
-      <p:sp>
-        <p:nvSpPr>
-          <p:cNvPr id="3" name="Content Placeholder 2"/>
-          <p:cNvSpPr>
-            <a:spLocks noGrp="1"/>
-          </p:cNvSpPr>
-          <p:nvPr>
-            <p:ph idx="1"/>
-          </p:nvPr>
-        </p:nvSpPr>
-        <p:spPr/>
-        <p:txBody>
-          <a:bodyPr/>
-          <a:lstStyle/>
-          <a:p>
-            <a:r>
-              <a:rPr lang="en-US" dirty="0" smtClean="0"/>
-              <a:t>Baseline</a:t>
-            </a:r>
-          </a:p>
-          <a:p>
-            <a:r>
-              <a:rPr lang="en-US" dirty="0" smtClean="0"/>
-              <a:t>Monitoring</a:t>
-            </a:r>
-          </a:p>
-          <a:p>
-            <a:r>
-              <a:rPr lang="en-US" dirty="0" smtClean="0"/>
-              <a:t>Tools</a:t>
-            </a:r>
-          </a:p>
-          <a:p>
-            <a:pPr lvl="1"/>
-            <a:r>
-              <a:rPr lang="en-US" dirty="0" err="1" smtClean="0"/>
-              <a:t>Spiceworks</a:t>
-            </a:r>
-            <a:endParaRPr lang="en-US" dirty="0" smtClean="0"/>
-          </a:p>
-          <a:p>
-            <a:pPr lvl="1"/>
-            <a:r>
-              <a:rPr lang="en-US" dirty="0" smtClean="0"/>
-              <a:t>OSSIM</a:t>
-            </a:r>
-          </a:p>
-          <a:p>
-            <a:pPr lvl="1"/>
-            <a:r>
-              <a:rPr lang="en-US" dirty="0" err="1" smtClean="0"/>
-              <a:t>nmap</a:t>
+              <a:t>Network</a:t>
+            </a:r>
+            <a:r>
+              <a:rPr lang="en-US" baseline="0" dirty="0" smtClean="0"/>
+              <a:t> Address</a:t>
+            </a:r>
+          </a:p>
+          <a:p>
+            <a:r>
+              <a:rPr lang="en-US" baseline="0" dirty="0" smtClean="0"/>
+              <a:t>Machine Name</a:t>
+            </a:r>
+          </a:p>
+          <a:p>
+            <a:r>
+              <a:rPr lang="en-US" baseline="0" dirty="0" smtClean="0"/>
+              <a:t>System Purpose</a:t>
+            </a:r>
+          </a:p>
+          <a:p>
+            <a:r>
+              <a:rPr lang="en-US" baseline="0" dirty="0" smtClean="0"/>
+              <a:t>System Owner</a:t>
+            </a:r>
+          </a:p>
+          <a:p>
+            <a:r>
+              <a:rPr lang="en-US" baseline="0" dirty="0" smtClean="0"/>
+              <a:t>Responsible Department</a:t>
             </a:r>
             <a:endParaRPr lang="en-US" dirty="0" smtClean="0"/>
           </a:p>
@@ -8779,13 +8956,20 @@
     </p:spTree>
     <p:extLst>
       <p:ext uri="{BB962C8B-B14F-4D97-AF65-F5344CB8AC3E}">
-        <p14:creationId xmlns:p14="http://schemas.microsoft.com/office/powerpoint/2010/main" val="3148530893"/>
+        <p14:creationId xmlns:p14="http://schemas.microsoft.com/office/powerpoint/2010/main" val="3277075134"/>
       </p:ext>
     </p:extLst>
   </p:cSld>
   <p:clrMapOvr>
     <a:masterClrMapping/>
   </p:clrMapOvr>
+  <p:timing>
+    <p:tnLst>
+      <p:par>
+        <p:cTn xmlns:p14="http://schemas.microsoft.com/office/powerpoint/2010/main" id="1" dur="indefinite" restart="never" nodeType="tmRoot"/>
+      </p:par>
+    </p:tnLst>
+  </p:timing>
 </p:sld>
 </file>
 
@@ -8821,13 +9005,132 @@
           <a:bodyPr/>
           <a:lstStyle/>
           <a:p>
+            <a:pPr lvl="0"/>
+            <a:r>
+              <a:rPr lang="en-US" dirty="0" smtClean="0"/>
+              <a:t>1. Hardware Inventory - How</a:t>
+            </a:r>
+            <a:endParaRPr lang="en-US" dirty="0"/>
+          </a:p>
+        </p:txBody>
+      </p:sp>
+      <p:sp>
+        <p:nvSpPr>
+          <p:cNvPr id="3" name="Content Placeholder 2"/>
+          <p:cNvSpPr>
+            <a:spLocks noGrp="1"/>
+          </p:cNvSpPr>
+          <p:nvPr>
+            <p:ph idx="1"/>
+          </p:nvPr>
+        </p:nvSpPr>
+        <p:spPr/>
+        <p:txBody>
+          <a:bodyPr/>
+          <a:lstStyle/>
+          <a:p>
+            <a:r>
+              <a:rPr lang="en-US" dirty="0" smtClean="0"/>
+              <a:t>Baseline</a:t>
+            </a:r>
+          </a:p>
+          <a:p>
+            <a:r>
+              <a:rPr lang="en-US" dirty="0" smtClean="0"/>
+              <a:t>Monitoring</a:t>
+            </a:r>
+          </a:p>
+          <a:p>
+            <a:r>
+              <a:rPr lang="en-US" dirty="0" smtClean="0"/>
+              <a:t>Tools</a:t>
+            </a:r>
+          </a:p>
+          <a:p>
+            <a:pPr lvl="1"/>
+            <a:r>
+              <a:rPr lang="en-US" dirty="0" err="1" smtClean="0"/>
+              <a:t>Spiceworks</a:t>
+            </a:r>
+            <a:endParaRPr lang="en-US" dirty="0" smtClean="0"/>
+          </a:p>
+          <a:p>
+            <a:pPr lvl="1"/>
+            <a:r>
+              <a:rPr lang="en-US" dirty="0" smtClean="0"/>
+              <a:t>OSSIM</a:t>
+            </a:r>
+          </a:p>
+          <a:p>
+            <a:pPr lvl="1"/>
+            <a:r>
+              <a:rPr lang="en-US" dirty="0" err="1" smtClean="0"/>
+              <a:t>nmap</a:t>
+            </a:r>
+            <a:endParaRPr lang="en-US" dirty="0" smtClean="0"/>
+          </a:p>
+        </p:txBody>
+      </p:sp>
+    </p:spTree>
+    <p:extLst>
+      <p:ext uri="{BB962C8B-B14F-4D97-AF65-F5344CB8AC3E}">
+        <p14:creationId xmlns:p14="http://schemas.microsoft.com/office/powerpoint/2010/main" val="3148530893"/>
+      </p:ext>
+    </p:extLst>
+  </p:cSld>
+  <p:clrMapOvr>
+    <a:masterClrMapping/>
+  </p:clrMapOvr>
+</p:sld>
+</file>
+
+<file path=ppt/slides/slide9.xml><?xml version="1.0" encoding="utf-8"?>
+<p:sld xmlns:a="http://schemas.openxmlformats.org/drawingml/2006/main" xmlns:r="http://schemas.openxmlformats.org/officeDocument/2006/relationships" xmlns:p="http://schemas.openxmlformats.org/presentationml/2006/main">
+  <p:cSld>
+    <p:spTree>
+      <p:nvGrpSpPr>
+        <p:cNvPr id="1" name=""/>
+        <p:cNvGrpSpPr/>
+        <p:nvPr/>
+      </p:nvGrpSpPr>
+      <p:grpSpPr>
+        <a:xfrm>
+          <a:off x="0" y="0"/>
+          <a:ext cx="0" cy="0"/>
+          <a:chOff x="0" y="0"/>
+          <a:chExt cx="0" cy="0"/>
+        </a:xfrm>
+      </p:grpSpPr>
+      <p:sp>
+        <p:nvSpPr>
+          <p:cNvPr id="2" name="Title 1"/>
+          <p:cNvSpPr>
+            <a:spLocks noGrp="1"/>
+          </p:cNvSpPr>
+          <p:nvPr>
+            <p:ph type="title"/>
+          </p:nvPr>
+        </p:nvSpPr>
+        <p:spPr/>
+        <p:txBody>
+          <a:bodyPr/>
+          <a:lstStyle/>
+          <a:p>
+            <a:r>
+              <a:rPr lang="en-US" dirty="0" smtClean="0"/>
+              <a:t>1. </a:t>
+            </a:r>
             <a:r>
               <a:rPr lang="en-US" dirty="0" err="1" smtClean="0"/>
               <a:t>Nmap</a:t>
             </a:r>
             <a:r>
               <a:rPr lang="en-US" dirty="0" smtClean="0"/>
-              <a:t> scripting</a:t>
+              <a:t> </a:t>
+            </a:r>
+            <a:r>
+              <a:rPr lang="en-US" dirty="0" smtClean="0"/>
+              <a:t>scripting</a:t>
             </a:r>
             <a:endParaRPr lang="en-US" dirty="0"/>
           </a:p>
@@ -9031,105 +9334,6 @@
     <p:extLst>
       <p:ext uri="{BB962C8B-B14F-4D97-AF65-F5344CB8AC3E}">
         <p14:creationId xmlns:p14="http://schemas.microsoft.com/office/powerpoint/2010/main" val="2494970839"/>
-      </p:ext>
-    </p:extLst>
-  </p:cSld>
-  <p:clrMapOvr>
-    <a:masterClrMapping/>
-  </p:clrMapOvr>
-</p:sld>
-</file>
-
-<file path=ppt/slides/slide9.xml><?xml version="1.0" encoding="utf-8"?>
-<p:sld xmlns:a="http://schemas.openxmlformats.org/drawingml/2006/main" xmlns:r="http://schemas.openxmlformats.org/officeDocument/2006/relationships" xmlns:p="http://schemas.openxmlformats.org/presentationml/2006/main">
-  <p:cSld>
-    <p:spTree>
-      <p:nvGrpSpPr>
-        <p:cNvPr id="1" name=""/>
-        <p:cNvGrpSpPr/>
-        <p:nvPr/>
-      </p:nvGrpSpPr>
-      <p:grpSpPr>
-        <a:xfrm>
-          <a:off x="0" y="0"/>
-          <a:ext cx="0" cy="0"/>
-          <a:chOff x="0" y="0"/>
-          <a:chExt cx="0" cy="0"/>
-        </a:xfrm>
-      </p:grpSpPr>
-      <p:sp>
-        <p:nvSpPr>
-          <p:cNvPr id="2" name="Title 1"/>
-          <p:cNvSpPr>
-            <a:spLocks noGrp="1"/>
-          </p:cNvSpPr>
-          <p:nvPr>
-            <p:ph type="title"/>
-          </p:nvPr>
-        </p:nvSpPr>
-        <p:spPr/>
-        <p:txBody>
-          <a:bodyPr>
-            <a:normAutofit/>
-          </a:bodyPr>
-          <a:lstStyle/>
-          <a:p>
-            <a:pPr lvl="0"/>
-            <a:r>
-              <a:rPr lang="en-US" dirty="0" smtClean="0"/>
-              <a:t>Software </a:t>
-            </a:r>
-            <a:r>
-              <a:rPr lang="en-US" dirty="0" smtClean="0"/>
-              <a:t>Inventory – For</a:t>
-            </a:r>
-            <a:r>
-              <a:rPr lang="en-US" baseline="0" dirty="0" smtClean="0"/>
-              <a:t> each system</a:t>
-            </a:r>
-            <a:endParaRPr lang="en-US" dirty="0"/>
-          </a:p>
-        </p:txBody>
-      </p:sp>
-      <p:sp>
-        <p:nvSpPr>
-          <p:cNvPr id="3" name="Content Placeholder 2"/>
-          <p:cNvSpPr>
-            <a:spLocks noGrp="1"/>
-          </p:cNvSpPr>
-          <p:nvPr>
-            <p:ph idx="1"/>
-          </p:nvPr>
-        </p:nvSpPr>
-        <p:spPr/>
-        <p:txBody>
-          <a:bodyPr/>
-          <a:lstStyle/>
-          <a:p>
-            <a:r>
-              <a:rPr lang="en-US" dirty="0" smtClean="0"/>
-              <a:t>Underlying OS</a:t>
-            </a:r>
-          </a:p>
-          <a:p>
-            <a:r>
-              <a:rPr lang="en-US" dirty="0" smtClean="0"/>
-              <a:t>Applications installed</a:t>
-            </a:r>
-          </a:p>
-          <a:p>
-            <a:r>
-              <a:rPr lang="en-US" dirty="0" smtClean="0"/>
-              <a:t>Tied to hardware asset inventory</a:t>
-            </a:r>
-            <a:endParaRPr lang="en-US" baseline="0" dirty="0" smtClean="0"/>
-          </a:p>
-        </p:txBody>
-      </p:sp>
-    </p:spTree>
-    <p:extLst>
-      <p:ext uri="{BB962C8B-B14F-4D97-AF65-F5344CB8AC3E}">
-        <p14:creationId xmlns:p14="http://schemas.microsoft.com/office/powerpoint/2010/main" val="2310874900"/>
       </p:ext>
     </p:extLst>
   </p:cSld>
